--- a/Description/JazzGuestsAdmin.pptx
+++ b/Description/JazzGuestsAdmin.pptx
@@ -258,7 +258,7 @@
           <a:p>
             <a:fld id="{DDCE6D58-9B57-4731-A47B-3CD41B48F0A9}" type="datetimeFigureOut">
               <a:rPr lang="de-CH" smtClean="0"/>
-              <a:t>11.12.2023</a:t>
+              <a:t>12.12.2023</a:t>
             </a:fld>
             <a:endParaRPr lang="de-CH"/>
           </a:p>
@@ -428,7 +428,7 @@
           <a:p>
             <a:fld id="{DDCE6D58-9B57-4731-A47B-3CD41B48F0A9}" type="datetimeFigureOut">
               <a:rPr lang="de-CH" smtClean="0"/>
-              <a:t>11.12.2023</a:t>
+              <a:t>12.12.2023</a:t>
             </a:fld>
             <a:endParaRPr lang="de-CH"/>
           </a:p>
@@ -608,7 +608,7 @@
           <a:p>
             <a:fld id="{DDCE6D58-9B57-4731-A47B-3CD41B48F0A9}" type="datetimeFigureOut">
               <a:rPr lang="de-CH" smtClean="0"/>
-              <a:t>11.12.2023</a:t>
+              <a:t>12.12.2023</a:t>
             </a:fld>
             <a:endParaRPr lang="de-CH"/>
           </a:p>
@@ -778,7 +778,7 @@
           <a:p>
             <a:fld id="{DDCE6D58-9B57-4731-A47B-3CD41B48F0A9}" type="datetimeFigureOut">
               <a:rPr lang="de-CH" smtClean="0"/>
-              <a:t>11.12.2023</a:t>
+              <a:t>12.12.2023</a:t>
             </a:fld>
             <a:endParaRPr lang="de-CH"/>
           </a:p>
@@ -1024,7 +1024,7 @@
           <a:p>
             <a:fld id="{DDCE6D58-9B57-4731-A47B-3CD41B48F0A9}" type="datetimeFigureOut">
               <a:rPr lang="de-CH" smtClean="0"/>
-              <a:t>11.12.2023</a:t>
+              <a:t>12.12.2023</a:t>
             </a:fld>
             <a:endParaRPr lang="de-CH"/>
           </a:p>
@@ -1256,7 +1256,7 @@
           <a:p>
             <a:fld id="{DDCE6D58-9B57-4731-A47B-3CD41B48F0A9}" type="datetimeFigureOut">
               <a:rPr lang="de-CH" smtClean="0"/>
-              <a:t>11.12.2023</a:t>
+              <a:t>12.12.2023</a:t>
             </a:fld>
             <a:endParaRPr lang="de-CH"/>
           </a:p>
@@ -1623,7 +1623,7 @@
           <a:p>
             <a:fld id="{DDCE6D58-9B57-4731-A47B-3CD41B48F0A9}" type="datetimeFigureOut">
               <a:rPr lang="de-CH" smtClean="0"/>
-              <a:t>11.12.2023</a:t>
+              <a:t>12.12.2023</a:t>
             </a:fld>
             <a:endParaRPr lang="de-CH"/>
           </a:p>
@@ -1741,7 +1741,7 @@
           <a:p>
             <a:fld id="{DDCE6D58-9B57-4731-A47B-3CD41B48F0A9}" type="datetimeFigureOut">
               <a:rPr lang="de-CH" smtClean="0"/>
-              <a:t>11.12.2023</a:t>
+              <a:t>12.12.2023</a:t>
             </a:fld>
             <a:endParaRPr lang="de-CH"/>
           </a:p>
@@ -1836,7 +1836,7 @@
           <a:p>
             <a:fld id="{DDCE6D58-9B57-4731-A47B-3CD41B48F0A9}" type="datetimeFigureOut">
               <a:rPr lang="de-CH" smtClean="0"/>
-              <a:t>11.12.2023</a:t>
+              <a:t>12.12.2023</a:t>
             </a:fld>
             <a:endParaRPr lang="de-CH"/>
           </a:p>
@@ -2113,7 +2113,7 @@
           <a:p>
             <a:fld id="{DDCE6D58-9B57-4731-A47B-3CD41B48F0A9}" type="datetimeFigureOut">
               <a:rPr lang="de-CH" smtClean="0"/>
-              <a:t>11.12.2023</a:t>
+              <a:t>12.12.2023</a:t>
             </a:fld>
             <a:endParaRPr lang="de-CH"/>
           </a:p>
@@ -2366,7 +2366,7 @@
           <a:p>
             <a:fld id="{DDCE6D58-9B57-4731-A47B-3CD41B48F0A9}" type="datetimeFigureOut">
               <a:rPr lang="de-CH" smtClean="0"/>
-              <a:t>11.12.2023</a:t>
+              <a:t>12.12.2023</a:t>
             </a:fld>
             <a:endParaRPr lang="de-CH"/>
           </a:p>
@@ -2579,7 +2579,7 @@
           <a:p>
             <a:fld id="{DDCE6D58-9B57-4731-A47B-3CD41B48F0A9}" type="datetimeFigureOut">
               <a:rPr lang="de-CH" smtClean="0"/>
-              <a:t>11.12.2023</a:t>
+              <a:t>12.12.2023</a:t>
             </a:fld>
             <a:endParaRPr lang="de-CH"/>
           </a:p>
@@ -5646,7 +5646,7 @@
           <a:p>
             <a:r>
               <a:rPr lang="de-CH" sz="1100" b="1" dirty="0" err="1"/>
-              <a:t>id_guest_admin_dropdown_number</a:t>
+              <a:t>id_div_admin_dropdown_number</a:t>
             </a:r>
             <a:r>
               <a:rPr lang="de-CH" sz="1100" b="1" dirty="0"/>
@@ -5654,7 +5654,7 @@
             </a:r>
             <a:r>
               <a:rPr lang="de-CH" sz="1100" b="1" dirty="0" err="1"/>
-              <a:t>cl_guest_admin_dropdown_number</a:t>
+              <a:t>cl_div_admin_dropdown_number</a:t>
             </a:r>
             <a:r>
               <a:rPr lang="de-CH" sz="1100" b="1" dirty="0"/>
@@ -5766,7 +5766,7 @@
             </a:r>
             <a:r>
               <a:rPr lang="de-CH" sz="1100" b="1" dirty="0" err="1"/>
-              <a:t>cl_guest_admin_dropdown</a:t>
+              <a:t>cl_div_admin_dropdown</a:t>
             </a:r>
             <a:r>
               <a:rPr lang="de-CH" sz="1100" b="1" dirty="0"/>
@@ -5878,7 +5878,7 @@
             </a:r>
             <a:r>
               <a:rPr lang="de-CH" sz="1100" b="1" dirty="0" err="1"/>
-              <a:t>cl_guest_admin_number</a:t>
+              <a:t>cl_div_admin_number</a:t>
             </a:r>
             <a:r>
               <a:rPr lang="de-CH" sz="1100" b="1" dirty="0"/>
@@ -5982,7 +5982,7 @@
           <a:p>
             <a:r>
               <a:rPr lang="de-CH" sz="1100" b="1" dirty="0" err="1"/>
-              <a:t>id_guest_admin_image_row</a:t>
+              <a:t>id_div_admin_image_row</a:t>
             </a:r>
             <a:r>
               <a:rPr lang="de-CH" sz="1100" b="1" dirty="0"/>
@@ -5990,7 +5990,7 @@
             </a:r>
             <a:r>
               <a:rPr lang="de-CH" sz="1100" b="1" dirty="0" err="1"/>
-              <a:t>cl_guest_admin_Image_row</a:t>
+              <a:t>cl_div_admin_Image_row</a:t>
             </a:r>
             <a:r>
               <a:rPr lang="de-CH" sz="1100" b="1" dirty="0"/>
@@ -6102,7 +6102,7 @@
             </a:r>
             <a:r>
               <a:rPr lang="de-CH" sz="1100" b="1" dirty="0" err="1"/>
-              <a:t>cl_guest_admin_image_row_left</a:t>
+              <a:t>cl_div_admin_image_row_left</a:t>
             </a:r>
             <a:endParaRPr lang="de-CH" b="1" dirty="0"/>
           </a:p>
@@ -6198,7 +6198,7 @@
             </a:r>
             <a:r>
               <a:rPr lang="de-CH" sz="1100" b="1" dirty="0" err="1"/>
-              <a:t>cl_guest_admin_image_row_right</a:t>
+              <a:t>cl_div_admin_image_row_right</a:t>
             </a:r>
             <a:endParaRPr lang="de-CH" b="1" dirty="0"/>
           </a:p>
@@ -6286,7 +6286,7 @@
           <a:p>
             <a:r>
               <a:rPr lang="de-CH" sz="1100" b="1" dirty="0" err="1"/>
-              <a:t>id_guest_admin_band</a:t>
+              <a:t>id_div_admin_band</a:t>
             </a:r>
             <a:r>
               <a:rPr lang="de-CH" sz="1100" b="1" dirty="0"/>
@@ -6294,7 +6294,7 @@
             </a:r>
             <a:r>
               <a:rPr lang="de-CH" sz="1100" b="1" dirty="0" err="1"/>
-              <a:t>cl_guest_admin_band</a:t>
+              <a:t>cl_div_admin_band</a:t>
             </a:r>
             <a:r>
               <a:rPr lang="de-CH" sz="1100" b="1" dirty="0"/>
@@ -6398,7 +6398,7 @@
           <a:p>
             <a:r>
               <a:rPr lang="de-CH" sz="1100" b="1" dirty="0" err="1"/>
-              <a:t>id_guest_admin_musicians</a:t>
+              <a:t>id_div_admin_musicians</a:t>
             </a:r>
             <a:r>
               <a:rPr lang="de-CH" sz="1100" b="1" dirty="0"/>
@@ -6406,7 +6406,7 @@
             </a:r>
             <a:r>
               <a:rPr lang="de-CH" sz="1100" b="1" dirty="0" err="1"/>
-              <a:t>cl_guest_admin_musicians</a:t>
+              <a:t>cl_div_admin_musicians</a:t>
             </a:r>
             <a:r>
               <a:rPr lang="de-CH" sz="1100" b="1" dirty="0"/>
@@ -6510,7 +6510,7 @@
           <a:p>
             <a:r>
               <a:rPr lang="de-CH" sz="1100" b="1" dirty="0" err="1"/>
-              <a:t>id_guest_admin_header</a:t>
+              <a:t>id_div_admin_header</a:t>
             </a:r>
             <a:r>
               <a:rPr lang="de-CH" sz="1100" b="1" dirty="0"/>
@@ -6518,7 +6518,7 @@
             </a:r>
             <a:r>
               <a:rPr lang="de-CH" sz="1100" b="1" dirty="0" err="1"/>
-              <a:t>cl_guest_admin_header</a:t>
+              <a:t>cl_div_admin_header</a:t>
             </a:r>
             <a:r>
               <a:rPr lang="de-CH" sz="1100" b="1" dirty="0"/>
@@ -6622,7 +6622,7 @@
           <a:p>
             <a:r>
               <a:rPr lang="de-CH" sz="1100" b="1" dirty="0" err="1"/>
-              <a:t>id_guest_admin_text</a:t>
+              <a:t>id_div_admin_text</a:t>
             </a:r>
             <a:r>
               <a:rPr lang="de-CH" sz="1100" b="1" dirty="0"/>
@@ -6630,7 +6630,7 @@
             </a:r>
             <a:r>
               <a:rPr lang="de-CH" sz="1100" b="1" dirty="0" err="1"/>
-              <a:t>cl_guest_admin_text</a:t>
+              <a:t>cl_div_admin_text</a:t>
             </a:r>
             <a:r>
               <a:rPr lang="de-CH" sz="1100" b="1" dirty="0"/>
@@ -6734,7 +6734,7 @@
           <a:p>
             <a:r>
               <a:rPr lang="de-CH" sz="1100" b="1" dirty="0" err="1"/>
-              <a:t>id_guest_admin_names_email</a:t>
+              <a:t>id_div_admin_names_email</a:t>
             </a:r>
             <a:r>
               <a:rPr lang="de-CH" sz="1100" b="1" dirty="0"/>
@@ -6742,7 +6742,7 @@
             </a:r>
             <a:r>
               <a:rPr lang="de-CH" sz="1100" b="1" dirty="0" err="1"/>
-              <a:t>cl_guest_admin_names_email</a:t>
+              <a:t>cl_div_admin_names_email</a:t>
             </a:r>
             <a:r>
               <a:rPr lang="de-CH" sz="1100" b="1" dirty="0"/>
@@ -6854,7 +6854,7 @@
             </a:r>
             <a:r>
               <a:rPr lang="de-CH" sz="1100" b="1" dirty="0" err="1"/>
-              <a:t>cl_guest_admin_names</a:t>
+              <a:t>cl_div_admin_names</a:t>
             </a:r>
             <a:r>
               <a:rPr lang="de-CH" sz="1100" b="1" dirty="0"/>
@@ -6966,7 +6966,7 @@
             </a:r>
             <a:r>
               <a:rPr lang="de-CH" sz="1100" b="1" dirty="0" err="1"/>
-              <a:t>cl_guest_admin_email</a:t>
+              <a:t>cl_div_admin_email</a:t>
             </a:r>
             <a:r>
               <a:rPr lang="de-CH" sz="1100" b="1" dirty="0"/>
@@ -7070,7 +7070,7 @@
           <a:p>
             <a:r>
               <a:rPr lang="de-CH" sz="1100" b="1" dirty="0" err="1"/>
-              <a:t>id_guest_admin_remark</a:t>
+              <a:t>id_div_admin_remark</a:t>
             </a:r>
             <a:r>
               <a:rPr lang="de-CH" sz="1100" b="1" dirty="0"/>
@@ -7078,7 +7078,7 @@
             </a:r>
             <a:r>
               <a:rPr lang="de-CH" sz="1100" b="1" dirty="0" err="1"/>
-              <a:t>cl_guest_admin_remark</a:t>
+              <a:t>cl_div_admin_remark</a:t>
             </a:r>
             <a:r>
               <a:rPr lang="de-CH" sz="1100" b="1" dirty="0"/>
@@ -7182,7 +7182,7 @@
           <a:p>
             <a:r>
               <a:rPr lang="de-CH" sz="1100" b="1" dirty="0" err="1"/>
-              <a:t>id_guest_admin_bottom_row</a:t>
+              <a:t>id_div_admin_bottom_row</a:t>
             </a:r>
             <a:r>
               <a:rPr lang="de-CH" sz="1100" b="1" dirty="0"/>
@@ -7190,7 +7190,7 @@
             </a:r>
             <a:r>
               <a:rPr lang="de-CH" sz="1100" b="1" dirty="0" err="1"/>
-              <a:t>cl_guest_admin_bottom_row</a:t>
+              <a:t>cl_div_admin_bottom_row</a:t>
             </a:r>
             <a:r>
               <a:rPr lang="de-CH" sz="1100" b="1" dirty="0"/>
@@ -7881,7 +7881,7 @@
         <p:spPr>
           <a:xfrm>
             <a:off x="821443" y="737112"/>
-            <a:ext cx="4153689" cy="261610"/>
+            <a:ext cx="4721518" cy="261610"/>
           </a:xfrm>
           <a:prstGeom prst="rect">
             <a:avLst/>
@@ -7896,15 +7896,7 @@
           <a:p>
             <a:r>
               <a:rPr lang="de-CH" sz="1100" b="1" dirty="0" err="1"/>
-              <a:t>id</a:t>
-            </a:r>
-            <a:r>
-              <a:rPr lang="de-CH" sz="1100" b="1" dirty="0"/>
-              <a:t>_ </a:t>
-            </a:r>
-            <a:r>
-              <a:rPr lang="de-CH" sz="1100" b="1" dirty="0" err="1"/>
-              <a:t>guest_admin_image_row_left</a:t>
+              <a:t>id_div_admin_image_row_left</a:t>
             </a:r>
             <a:r>
               <a:rPr lang="de-CH" sz="1100" b="1" dirty="0"/>
@@ -7912,7 +7904,23 @@
             </a:r>
             <a:r>
               <a:rPr lang="de-CH" sz="1100" b="1" dirty="0" err="1"/>
-              <a:t>cl_guest_admin_image_row_left</a:t>
+              <a:t>cl_div_admin_image_row_left</a:t>
+            </a:r>
+            <a:r>
+              <a:rPr lang="de-CH" sz="1100" b="1" dirty="0"/>
+              <a:t> </a:t>
+            </a:r>
+            <a:r>
+              <a:rPr lang="de-CH" sz="1100" b="1" dirty="0" err="1"/>
+              <a:t>float</a:t>
+            </a:r>
+            <a:r>
+              <a:rPr lang="de-CH" sz="1100" b="1" dirty="0"/>
+              <a:t> </a:t>
+            </a:r>
+            <a:r>
+              <a:rPr lang="de-CH" sz="1100" b="1" dirty="0" err="1"/>
+              <a:t>left</a:t>
             </a:r>
             <a:endParaRPr lang="de-CH" b="1" dirty="0"/>
           </a:p>
@@ -7985,7 +7993,7 @@
         <p:spPr>
           <a:xfrm>
             <a:off x="6407594" y="721681"/>
-            <a:ext cx="4153689" cy="261610"/>
+            <a:ext cx="4544953" cy="261610"/>
           </a:xfrm>
           <a:prstGeom prst="rect">
             <a:avLst/>
@@ -8000,15 +8008,7 @@
           <a:p>
             <a:r>
               <a:rPr lang="de-CH" sz="1100" b="1" dirty="0" err="1"/>
-              <a:t>id</a:t>
-            </a:r>
-            <a:r>
-              <a:rPr lang="de-CH" sz="1100" b="1" dirty="0"/>
-              <a:t>_ </a:t>
-            </a:r>
-            <a:r>
-              <a:rPr lang="de-CH" sz="1100" b="1" dirty="0" err="1"/>
-              <a:t>guest_admin_image_row_left</a:t>
+              <a:t>id_div_admin_image_row_right</a:t>
             </a:r>
             <a:r>
               <a:rPr lang="de-CH" sz="1100" b="1" dirty="0"/>
@@ -8016,7 +8016,27 @@
             </a:r>
             <a:r>
               <a:rPr lang="de-CH" sz="1100" b="1" dirty="0" err="1"/>
-              <a:t>cl_guest_admin_image_row_left</a:t>
+              <a:t>cl_div_admin_image_row_right</a:t>
+            </a:r>
+            <a:r>
+              <a:rPr lang="de-CH" sz="1100" b="1" dirty="0"/>
+              <a:t> </a:t>
+            </a:r>
+            <a:r>
+              <a:rPr lang="de-CH" sz="1100" b="1" dirty="0" err="1"/>
+              <a:t>float</a:t>
+            </a:r>
+            <a:r>
+              <a:rPr lang="de-CH" sz="1100" b="1" dirty="0"/>
+              <a:t> </a:t>
+            </a:r>
+            <a:r>
+              <a:rPr lang="de-CH" sz="1100" b="1" dirty="0" err="1"/>
+              <a:t>left</a:t>
+            </a:r>
+            <a:r>
+              <a:rPr lang="de-CH" sz="1100" b="1" dirty="0"/>
+              <a:t> </a:t>
             </a:r>
             <a:endParaRPr lang="de-CH" b="1" dirty="0"/>
           </a:p>
@@ -8104,7 +8124,7 @@
           <a:p>
             <a:r>
               <a:rPr lang="de-CH" sz="1100" b="1" dirty="0" err="1"/>
-              <a:t>id_guest_admin_filename</a:t>
+              <a:t>id_div_admin_filename</a:t>
             </a:r>
             <a:r>
               <a:rPr lang="de-CH" sz="1100" b="1" dirty="0"/>
@@ -8112,7 +8132,23 @@
             </a:r>
             <a:r>
               <a:rPr lang="de-CH" sz="1100" b="1" dirty="0" err="1"/>
-              <a:t>cl_guest_admin_filename</a:t>
+              <a:t>cl_div_admin_filename</a:t>
+            </a:r>
+            <a:r>
+              <a:rPr lang="de-CH" sz="1100" b="1" dirty="0"/>
+              <a:t>  </a:t>
+            </a:r>
+            <a:r>
+              <a:rPr lang="de-CH" sz="1100" b="1" dirty="0" err="1"/>
+              <a:t>clear</a:t>
+            </a:r>
+            <a:r>
+              <a:rPr lang="de-CH" sz="1100" b="1" dirty="0"/>
+              <a:t> </a:t>
+            </a:r>
+            <a:r>
+              <a:rPr lang="de-CH" sz="1100" b="1" dirty="0" err="1"/>
+              <a:t>both</a:t>
             </a:r>
             <a:endParaRPr lang="de-CH" b="1" dirty="0"/>
           </a:p>
@@ -8200,7 +8236,7 @@
           <a:p>
             <a:r>
               <a:rPr lang="de-CH" sz="1100" b="1" dirty="0" err="1"/>
-              <a:t>id_guest_admin_image_container</a:t>
+              <a:t>id_div_admin_image_container</a:t>
             </a:r>
             <a:r>
               <a:rPr lang="de-CH" sz="1100" b="1" dirty="0"/>
@@ -8208,7 +8244,7 @@
             </a:r>
             <a:r>
               <a:rPr lang="de-CH" sz="1100" b="1" dirty="0" err="1"/>
-              <a:t>cl_guest_admin_image_container</a:t>
+              <a:t>cl_div_admin_image_container</a:t>
             </a:r>
             <a:r>
               <a:rPr lang="de-CH" sz="1100" b="1" dirty="0"/>
@@ -8312,7 +8348,7 @@
           <a:p>
             <a:r>
               <a:rPr lang="de-CH" sz="1100" b="1" dirty="0" err="1"/>
-              <a:t>id_guest_admin_upload_download</a:t>
+              <a:t>id_div_admin_upload_download</a:t>
             </a:r>
             <a:r>
               <a:rPr lang="de-CH" sz="1100" b="1" dirty="0"/>
@@ -8320,7 +8356,7 @@
             </a:r>
             <a:r>
               <a:rPr lang="de-CH" sz="1100" b="1" dirty="0" err="1"/>
-              <a:t>cl_guest_admin_upload_download</a:t>
+              <a:t>cl_div_admin_upload_download</a:t>
             </a:r>
             <a:endParaRPr lang="de-CH" b="1" dirty="0"/>
           </a:p>
@@ -8408,7 +8444,7 @@
           <a:p>
             <a:r>
               <a:rPr lang="de-CH" sz="1100" b="1" dirty="0" err="1"/>
-              <a:t>id_guest_admin_upload</a:t>
+              <a:t>id_div_admin_upload</a:t>
             </a:r>
             <a:r>
               <a:rPr lang="de-CH" sz="1100" b="1" dirty="0"/>
@@ -8500,7 +8536,7 @@
           <a:p>
             <a:r>
               <a:rPr lang="de-CH" sz="1100" b="1" dirty="0" err="1"/>
-              <a:t>id_guest_admin_download</a:t>
+              <a:t>id_div_admin_download</a:t>
             </a:r>
             <a:r>
               <a:rPr lang="de-CH" sz="1100" b="1" dirty="0"/>
@@ -8592,7 +8628,7 @@
           <a:p>
             <a:r>
               <a:rPr lang="de-CH" sz="1100" b="1" dirty="0" err="1"/>
-              <a:t>id_guest_admin_checkbox_new</a:t>
+              <a:t>id_div_admin_checkbox_new</a:t>
             </a:r>
             <a:r>
               <a:rPr lang="de-CH" sz="1100" b="1" dirty="0"/>
@@ -8600,7 +8636,7 @@
             </a:r>
             <a:r>
               <a:rPr lang="de-CH" sz="1100" b="1" dirty="0" err="1"/>
-              <a:t>cl_guest_admin_checkbox_new</a:t>
+              <a:t>cl_div_admin_checkbox_new</a:t>
             </a:r>
             <a:endParaRPr lang="de-CH" b="1" dirty="0"/>
           </a:p>
@@ -8688,7 +8724,7 @@
           <a:p>
             <a:r>
               <a:rPr lang="de-CH" sz="1100" b="1" dirty="0" err="1"/>
-              <a:t>id_guest_admin_status</a:t>
+              <a:t>id_div_admin_status</a:t>
             </a:r>
             <a:r>
               <a:rPr lang="de-CH" sz="1100" b="1" dirty="0"/>
@@ -8696,7 +8732,7 @@
             </a:r>
             <a:r>
               <a:rPr lang="de-CH" sz="1100" b="1" dirty="0" err="1"/>
-              <a:t>cl_guest_admin_status</a:t>
+              <a:t>cl_div_admin_status</a:t>
             </a:r>
             <a:endParaRPr lang="de-CH" b="1" dirty="0"/>
           </a:p>
@@ -8784,7 +8820,7 @@
           <a:p>
             <a:r>
               <a:rPr lang="de-CH" sz="1100" b="1" dirty="0" err="1"/>
-              <a:t>id_guest_admin_dropdown_concert</a:t>
+              <a:t>id_div_admin_dropdown_concert</a:t>
             </a:r>
             <a:r>
               <a:rPr lang="de-CH" sz="1100" b="1" dirty="0"/>
@@ -8792,7 +8828,7 @@
             </a:r>
             <a:r>
               <a:rPr lang="de-CH" sz="1100" b="1" dirty="0" err="1"/>
-              <a:t>cl_guest_admin_dropdown_concert</a:t>
+              <a:t>cl_div_admin_dropdown_concert</a:t>
             </a:r>
             <a:endParaRPr lang="de-CH" b="1" dirty="0"/>
           </a:p>
@@ -8880,7 +8916,7 @@
           <a:p>
             <a:r>
               <a:rPr lang="de-CH" sz="1100" b="1" dirty="0" err="1"/>
-              <a:t>id_guest_admin_date</a:t>
+              <a:t>id_div_admin_date</a:t>
             </a:r>
             <a:r>
               <a:rPr lang="de-CH" sz="1100" b="1" dirty="0"/>
@@ -8888,7 +8924,7 @@
             </a:r>
             <a:r>
               <a:rPr lang="de-CH" sz="1100" b="1" dirty="0" err="1"/>
-              <a:t>cl_guest_admin_date</a:t>
+              <a:t>cl_div_admin_date</a:t>
             </a:r>
             <a:endParaRPr lang="de-CH" b="1" dirty="0"/>
           </a:p>
@@ -8976,7 +9012,7 @@
           <a:p>
             <a:r>
               <a:rPr lang="de-CH" sz="1100" b="1" dirty="0" err="1"/>
-              <a:t>id_guest_admin_image_row</a:t>
+              <a:t>id_div_admin_image_row</a:t>
             </a:r>
             <a:r>
               <a:rPr lang="de-CH" sz="1100" b="1" dirty="0"/>
@@ -8984,7 +9020,7 @@
             </a:r>
             <a:r>
               <a:rPr lang="de-CH" sz="1100" b="1" dirty="0" err="1"/>
-              <a:t>cl_guest_admin_Image_row</a:t>
+              <a:t>cl_div_admin_Image_row</a:t>
             </a:r>
             <a:r>
               <a:rPr lang="de-CH" sz="1100" b="1" dirty="0"/>
@@ -9088,7 +9124,7 @@
           <a:p>
             <a:r>
               <a:rPr lang="de-CH" sz="1100" b="1" dirty="0" err="1"/>
-              <a:t>id_guest_admin_bottom_row</a:t>
+              <a:t>id_div_admin_bottom_row</a:t>
             </a:r>
             <a:r>
               <a:rPr lang="de-CH" sz="1100" b="1" dirty="0"/>
@@ -9096,7 +9132,7 @@
             </a:r>
             <a:r>
               <a:rPr lang="de-CH" sz="1100" b="1" dirty="0" err="1"/>
-              <a:t>cl_guest_admin_bottom_row</a:t>
+              <a:t>cl_div_admin_bottom_row</a:t>
             </a:r>
             <a:r>
               <a:rPr lang="de-CH" sz="1100" b="1" dirty="0"/>
@@ -9200,7 +9236,7 @@
           <a:p>
             <a:r>
               <a:rPr lang="de-CH" sz="1100" b="1" dirty="0" err="1"/>
-              <a:t>id_guest_admin_publish</a:t>
+              <a:t>id_div_admin_publish</a:t>
             </a:r>
             <a:r>
               <a:rPr lang="de-CH" sz="1100" b="1" dirty="0"/>
@@ -9296,7 +9332,7 @@
           <a:p>
             <a:r>
               <a:rPr lang="de-CH" sz="1100" b="1" dirty="0" err="1"/>
-              <a:t>id_guest_admin_delete</a:t>
+              <a:t>id_div_admin_delete</a:t>
             </a:r>
             <a:r>
               <a:rPr lang="de-CH" sz="1100" b="1" dirty="0"/>
@@ -9392,7 +9428,7 @@
           <a:p>
             <a:r>
               <a:rPr lang="de-CH" sz="1100" b="1" dirty="0" err="1"/>
-              <a:t>id_guest_admin_save</a:t>
+              <a:t>id_div_admin_save</a:t>
             </a:r>
             <a:r>
               <a:rPr lang="de-CH" sz="1100" b="1" dirty="0"/>

--- a/Description/JazzGuestsAdmin.pptx
+++ b/Description/JazzGuestsAdmin.pptx
@@ -3225,7 +3225,7 @@
         <p:spPr>
           <a:xfrm>
             <a:off x="3741929" y="1358484"/>
-            <a:ext cx="3268486" cy="247619"/>
+            <a:ext cx="2573429" cy="247619"/>
           </a:xfrm>
           <a:prstGeom prst="rect">
             <a:avLst/>
@@ -3312,7 +3312,7 @@
         </p:blipFill>
         <p:spPr>
           <a:xfrm>
-            <a:off x="6616629" y="1403579"/>
+            <a:off x="5806815" y="1392809"/>
             <a:ext cx="321154" cy="157428"/>
           </a:xfrm>
           <a:prstGeom prst="rect">
@@ -3380,7 +3380,7 @@
         </p:blipFill>
         <p:spPr>
           <a:xfrm>
-            <a:off x="8056812" y="1692651"/>
+            <a:off x="6603507" y="1420621"/>
             <a:ext cx="142857" cy="133333"/>
           </a:xfrm>
           <a:prstGeom prst="rect">
@@ -3402,8 +3402,8 @@
         </p:nvSpPr>
         <p:spPr>
           <a:xfrm>
-            <a:off x="6144641" y="1626178"/>
-            <a:ext cx="2083228" cy="276999"/>
+            <a:off x="6350581" y="1155504"/>
+            <a:ext cx="839424" cy="276999"/>
           </a:xfrm>
           <a:prstGeom prst="rect">
             <a:avLst/>
@@ -3421,7 +3421,7 @@
                 <a:latin typeface="Arial" panose="020B0604020202020204" pitchFamily="34" charset="0"/>
                 <a:cs typeface="Arial" panose="020B0604020202020204" pitchFamily="34" charset="0"/>
               </a:rPr>
-              <a:t>Nur neu zugefügte Bilder</a:t>
+              <a:t>Nur neu </a:t>
             </a:r>
           </a:p>
         </p:txBody>
@@ -5691,7 +5691,7 @@
         <p:spPr>
           <a:xfrm>
             <a:off x="3414000" y="1439225"/>
-            <a:ext cx="2604415" cy="289123"/>
+            <a:ext cx="3065660" cy="289123"/>
           </a:xfrm>
           <a:prstGeom prst="rect">
             <a:avLst/>
@@ -5730,66 +5730,6 @@
       </p:sp>
       <p:sp>
         <p:nvSpPr>
-          <p:cNvPr id="11" name="Textfeld 10">
-            <a:extLst>
-              <a:ext uri="{FF2B5EF4-FFF2-40B4-BE49-F238E27FC236}">
-                <a16:creationId xmlns:a16="http://schemas.microsoft.com/office/drawing/2014/main" id="{A72F04C3-4443-1D1D-8D1F-C80A64DAE688}"/>
-              </a:ext>
-            </a:extLst>
-          </p:cNvPr>
-          <p:cNvSpPr txBox="1"/>
-          <p:nvPr/>
-        </p:nvSpPr>
-        <p:spPr>
-          <a:xfrm>
-            <a:off x="3354575" y="1452981"/>
-            <a:ext cx="2747743" cy="261610"/>
-          </a:xfrm>
-          <a:prstGeom prst="rect">
-            <a:avLst/>
-          </a:prstGeom>
-          <a:noFill/>
-        </p:spPr>
-        <p:txBody>
-          <a:bodyPr wrap="square" rtlCol="0">
-            <a:spAutoFit/>
-          </a:bodyPr>
-          <a:lstStyle/>
-          <a:p>
-            <a:r>
-              <a:rPr lang="de-CH" sz="1100" b="1" dirty="0" err="1"/>
-              <a:t>id</a:t>
-            </a:r>
-            <a:r>
-              <a:rPr lang="de-CH" sz="1100" b="1" dirty="0"/>
-              <a:t>_... </a:t>
-            </a:r>
-            <a:r>
-              <a:rPr lang="de-CH" sz="1100" b="1" dirty="0" err="1"/>
-              <a:t>cl_div_admin_dropdown</a:t>
-            </a:r>
-            <a:r>
-              <a:rPr lang="de-CH" sz="1100" b="1" dirty="0"/>
-              <a:t> </a:t>
-            </a:r>
-            <a:r>
-              <a:rPr lang="de-CH" sz="1100" b="1" dirty="0" err="1"/>
-              <a:t>float</a:t>
-            </a:r>
-            <a:r>
-              <a:rPr lang="de-CH" sz="1100" b="1" dirty="0"/>
-              <a:t> </a:t>
-            </a:r>
-            <a:r>
-              <a:rPr lang="de-CH" sz="1100" b="1" dirty="0" err="1"/>
-              <a:t>left</a:t>
-            </a:r>
-            <a:endParaRPr lang="de-CH" b="1" dirty="0"/>
-          </a:p>
-        </p:txBody>
-      </p:sp>
-      <p:sp>
-        <p:nvSpPr>
           <p:cNvPr id="12" name="Rechteck 11">
             <a:extLst>
               <a:ext uri="{FF2B5EF4-FFF2-40B4-BE49-F238E27FC236}">
@@ -5802,8 +5742,8 @@
         </p:nvSpPr>
         <p:spPr>
           <a:xfrm>
-            <a:off x="6373589" y="1445357"/>
-            <a:ext cx="2604415" cy="289123"/>
+            <a:off x="7857710" y="1445357"/>
+            <a:ext cx="1120293" cy="289123"/>
           </a:xfrm>
           <a:prstGeom prst="rect">
             <a:avLst/>
@@ -5842,66 +5782,6 @@
       </p:sp>
       <p:sp>
         <p:nvSpPr>
-          <p:cNvPr id="13" name="Textfeld 12">
-            <a:extLst>
-              <a:ext uri="{FF2B5EF4-FFF2-40B4-BE49-F238E27FC236}">
-                <a16:creationId xmlns:a16="http://schemas.microsoft.com/office/drawing/2014/main" id="{B64DFA5B-5ADD-70C9-FFD6-99B40D46DC5C}"/>
-              </a:ext>
-            </a:extLst>
-          </p:cNvPr>
-          <p:cNvSpPr txBox="1"/>
-          <p:nvPr/>
-        </p:nvSpPr>
-        <p:spPr>
-          <a:xfrm>
-            <a:off x="6314164" y="1459113"/>
-            <a:ext cx="2747743" cy="261610"/>
-          </a:xfrm>
-          <a:prstGeom prst="rect">
-            <a:avLst/>
-          </a:prstGeom>
-          <a:noFill/>
-        </p:spPr>
-        <p:txBody>
-          <a:bodyPr wrap="square" rtlCol="0">
-            <a:spAutoFit/>
-          </a:bodyPr>
-          <a:lstStyle/>
-          <a:p>
-            <a:r>
-              <a:rPr lang="de-CH" sz="1100" b="1" dirty="0" err="1"/>
-              <a:t>id</a:t>
-            </a:r>
-            <a:r>
-              <a:rPr lang="de-CH" sz="1100" b="1" dirty="0"/>
-              <a:t>_... </a:t>
-            </a:r>
-            <a:r>
-              <a:rPr lang="de-CH" sz="1100" b="1" dirty="0" err="1"/>
-              <a:t>cl_div_admin_number</a:t>
-            </a:r>
-            <a:r>
-              <a:rPr lang="de-CH" sz="1100" b="1" dirty="0"/>
-              <a:t> </a:t>
-            </a:r>
-            <a:r>
-              <a:rPr lang="de-CH" sz="1100" b="1" dirty="0" err="1"/>
-              <a:t>float</a:t>
-            </a:r>
-            <a:r>
-              <a:rPr lang="de-CH" sz="1100" b="1" dirty="0"/>
-              <a:t> </a:t>
-            </a:r>
-            <a:r>
-              <a:rPr lang="de-CH" sz="1100" b="1" dirty="0" err="1"/>
-              <a:t>left</a:t>
-            </a:r>
-            <a:endParaRPr lang="de-CH" b="1" dirty="0"/>
-          </a:p>
-        </p:txBody>
-      </p:sp>
-      <p:sp>
-        <p:nvSpPr>
           <p:cNvPr id="14" name="Rechteck 13">
             <a:extLst>
               <a:ext uri="{FF2B5EF4-FFF2-40B4-BE49-F238E27FC236}">
@@ -7781,6 +7661,58 @@
               <a:t>both</a:t>
             </a:r>
             <a:endParaRPr lang="de-CH" b="1" dirty="0"/>
+          </a:p>
+        </p:txBody>
+      </p:sp>
+      <p:sp>
+        <p:nvSpPr>
+          <p:cNvPr id="49" name="Rechteck 48">
+            <a:extLst>
+              <a:ext uri="{FF2B5EF4-FFF2-40B4-BE49-F238E27FC236}">
+                <a16:creationId xmlns:a16="http://schemas.microsoft.com/office/drawing/2014/main" id="{DCE73E6D-9D1A-E105-D541-12572C1F6902}"/>
+              </a:ext>
+            </a:extLst>
+          </p:cNvPr>
+          <p:cNvSpPr/>
+          <p:nvPr/>
+        </p:nvSpPr>
+        <p:spPr>
+          <a:xfrm>
+            <a:off x="6592682" y="1454615"/>
+            <a:ext cx="1120293" cy="289123"/>
+          </a:xfrm>
+          <a:prstGeom prst="rect">
+            <a:avLst/>
+          </a:prstGeom>
+          <a:noFill/>
+          <a:ln w="12700">
+            <a:solidFill>
+              <a:schemeClr val="tx1"/>
+            </a:solidFill>
+          </a:ln>
+        </p:spPr>
+        <p:style>
+          <a:lnRef idx="2">
+            <a:schemeClr val="accent1">
+              <a:shade val="50000"/>
+            </a:schemeClr>
+          </a:lnRef>
+          <a:fillRef idx="1">
+            <a:schemeClr val="accent1"/>
+          </a:fillRef>
+          <a:effectRef idx="0">
+            <a:schemeClr val="accent1"/>
+          </a:effectRef>
+          <a:fontRef idx="minor">
+            <a:schemeClr val="lt1"/>
+          </a:fontRef>
+        </p:style>
+        <p:txBody>
+          <a:bodyPr rtlCol="0" anchor="ctr"/>
+          <a:lstStyle/>
+          <a:p>
+            <a:pPr algn="ctr"/>
+            <a:endParaRPr lang="de-CH" dirty="0"/>
           </a:p>
         </p:txBody>
       </p:sp>
@@ -7828,7 +7760,7 @@
         </p:nvSpPr>
         <p:spPr>
           <a:xfrm>
-            <a:off x="821444" y="673479"/>
+            <a:off x="821444" y="2068646"/>
             <a:ext cx="5059776" cy="2834491"/>
           </a:xfrm>
           <a:prstGeom prst="rect">
@@ -7880,7 +7812,7 @@
         </p:nvSpPr>
         <p:spPr>
           <a:xfrm>
-            <a:off x="821443" y="737112"/>
+            <a:off x="821443" y="2132279"/>
             <a:ext cx="4721518" cy="261610"/>
           </a:xfrm>
           <a:prstGeom prst="rect">
@@ -7940,7 +7872,7 @@
         </p:nvSpPr>
         <p:spPr>
           <a:xfrm>
-            <a:off x="6282904" y="673479"/>
+            <a:off x="6282904" y="2068646"/>
             <a:ext cx="5059776" cy="2834491"/>
           </a:xfrm>
           <a:prstGeom prst="rect">
@@ -7992,7 +7924,7 @@
         </p:nvSpPr>
         <p:spPr>
           <a:xfrm>
-            <a:off x="6407594" y="721681"/>
+            <a:off x="6407594" y="2116848"/>
             <a:ext cx="4544953" cy="261610"/>
           </a:xfrm>
           <a:prstGeom prst="rect">
@@ -8056,7 +7988,7 @@
         </p:nvSpPr>
         <p:spPr>
           <a:xfrm>
-            <a:off x="880868" y="1062355"/>
+            <a:off x="880868" y="2457522"/>
             <a:ext cx="4875661" cy="289123"/>
           </a:xfrm>
           <a:prstGeom prst="rect">
@@ -8108,7 +8040,7 @@
         </p:nvSpPr>
         <p:spPr>
           <a:xfrm>
-            <a:off x="880868" y="1055927"/>
+            <a:off x="880868" y="2451094"/>
             <a:ext cx="4568090" cy="261610"/>
           </a:xfrm>
           <a:prstGeom prst="rect">
@@ -8168,7 +8100,7 @@
         </p:nvSpPr>
         <p:spPr>
           <a:xfrm>
-            <a:off x="880868" y="1436428"/>
+            <a:off x="880868" y="2831595"/>
             <a:ext cx="4875661" cy="1971790"/>
           </a:xfrm>
           <a:prstGeom prst="rect">
@@ -8220,7 +8152,7 @@
         </p:nvSpPr>
         <p:spPr>
           <a:xfrm>
-            <a:off x="880868" y="1430000"/>
+            <a:off x="880868" y="2825167"/>
             <a:ext cx="5000352" cy="261610"/>
           </a:xfrm>
           <a:prstGeom prst="rect">
@@ -8280,7 +8212,7 @@
         </p:nvSpPr>
         <p:spPr>
           <a:xfrm>
-            <a:off x="6407594" y="1364765"/>
+            <a:off x="6407594" y="2759932"/>
             <a:ext cx="4875661" cy="653689"/>
           </a:xfrm>
           <a:prstGeom prst="rect">
@@ -8332,7 +8264,7 @@
         </p:nvSpPr>
         <p:spPr>
           <a:xfrm>
-            <a:off x="6407594" y="1358337"/>
+            <a:off x="6407594" y="2753504"/>
             <a:ext cx="4568090" cy="261610"/>
           </a:xfrm>
           <a:prstGeom prst="rect">
@@ -8376,7 +8308,7 @@
         </p:nvSpPr>
         <p:spPr>
           <a:xfrm>
-            <a:off x="6491958" y="1637221"/>
+            <a:off x="6491958" y="3032388"/>
             <a:ext cx="2298715" cy="289123"/>
           </a:xfrm>
           <a:prstGeom prst="rect">
@@ -8428,7 +8360,7 @@
         </p:nvSpPr>
         <p:spPr>
           <a:xfrm>
-            <a:off x="6491957" y="1637452"/>
+            <a:off x="6491957" y="3032619"/>
             <a:ext cx="2041021" cy="261610"/>
           </a:xfrm>
           <a:prstGeom prst="rect">
@@ -8468,7 +8400,7 @@
         </p:nvSpPr>
         <p:spPr>
           <a:xfrm>
-            <a:off x="8880480" y="1631681"/>
+            <a:off x="8880480" y="3026848"/>
             <a:ext cx="2298715" cy="289123"/>
           </a:xfrm>
           <a:prstGeom prst="rect">
@@ -8520,7 +8452,7 @@
         </p:nvSpPr>
         <p:spPr>
           <a:xfrm>
-            <a:off x="8880479" y="1625252"/>
+            <a:off x="8880479" y="3020419"/>
             <a:ext cx="2383080" cy="261610"/>
           </a:xfrm>
           <a:prstGeom prst="rect">
@@ -8560,8 +8492,8 @@
         </p:nvSpPr>
         <p:spPr>
           <a:xfrm>
-            <a:off x="6392203" y="1008441"/>
-            <a:ext cx="4875661" cy="289123"/>
+            <a:off x="3811956" y="584508"/>
+            <a:ext cx="3955732" cy="289123"/>
           </a:xfrm>
           <a:prstGeom prst="rect">
             <a:avLst/>
@@ -8612,8 +8544,8 @@
         </p:nvSpPr>
         <p:spPr>
           <a:xfrm>
-            <a:off x="6392203" y="1002013"/>
-            <a:ext cx="4568090" cy="261610"/>
+            <a:off x="3811955" y="578080"/>
+            <a:ext cx="3767196" cy="261610"/>
           </a:xfrm>
           <a:prstGeom prst="rect">
             <a:avLst/>
@@ -8656,7 +8588,7 @@
         </p:nvSpPr>
         <p:spPr>
           <a:xfrm>
-            <a:off x="6396211" y="2079533"/>
+            <a:off x="6396211" y="3474700"/>
             <a:ext cx="4875661" cy="289123"/>
           </a:xfrm>
           <a:prstGeom prst="rect">
@@ -8708,7 +8640,7 @@
         </p:nvSpPr>
         <p:spPr>
           <a:xfrm>
-            <a:off x="6387898" y="2073105"/>
+            <a:off x="6387898" y="3468272"/>
             <a:ext cx="4568090" cy="261610"/>
           </a:xfrm>
           <a:prstGeom prst="rect">
@@ -8752,7 +8684,7 @@
         </p:nvSpPr>
         <p:spPr>
           <a:xfrm>
-            <a:off x="6415907" y="2420617"/>
+            <a:off x="6415907" y="3815784"/>
             <a:ext cx="4875661" cy="289123"/>
           </a:xfrm>
           <a:prstGeom prst="rect">
@@ -8804,7 +8736,7 @@
         </p:nvSpPr>
         <p:spPr>
           <a:xfrm>
-            <a:off x="6407594" y="2414189"/>
+            <a:off x="6407594" y="3809356"/>
             <a:ext cx="4568090" cy="261610"/>
           </a:xfrm>
           <a:prstGeom prst="rect">
@@ -8848,7 +8780,7 @@
         </p:nvSpPr>
         <p:spPr>
           <a:xfrm>
-            <a:off x="6392770" y="2821133"/>
+            <a:off x="6392770" y="4216300"/>
             <a:ext cx="4875661" cy="289123"/>
           </a:xfrm>
           <a:prstGeom prst="rect">
@@ -8900,7 +8832,7 @@
         </p:nvSpPr>
         <p:spPr>
           <a:xfrm>
-            <a:off x="6384457" y="2814705"/>
+            <a:off x="6384457" y="4209872"/>
             <a:ext cx="4568090" cy="261610"/>
           </a:xfrm>
           <a:prstGeom prst="rect">
@@ -8944,7 +8876,7 @@
         </p:nvSpPr>
         <p:spPr>
           <a:xfrm>
-            <a:off x="691377" y="380164"/>
+            <a:off x="691377" y="1775331"/>
             <a:ext cx="10809246" cy="3435378"/>
           </a:xfrm>
           <a:prstGeom prst="rect">
@@ -8996,7 +8928,7 @@
         </p:nvSpPr>
         <p:spPr>
           <a:xfrm>
-            <a:off x="691377" y="373578"/>
+            <a:off x="691377" y="1768745"/>
             <a:ext cx="5428872" cy="261610"/>
           </a:xfrm>
           <a:prstGeom prst="rect">
@@ -9056,7 +8988,7 @@
         </p:nvSpPr>
         <p:spPr>
           <a:xfrm>
-            <a:off x="691376" y="4167265"/>
+            <a:off x="691376" y="5562432"/>
             <a:ext cx="10879939" cy="891788"/>
           </a:xfrm>
           <a:prstGeom prst="rect">
@@ -9108,7 +9040,7 @@
         </p:nvSpPr>
         <p:spPr>
           <a:xfrm>
-            <a:off x="691377" y="4144076"/>
+            <a:off x="691377" y="5539243"/>
             <a:ext cx="4333461" cy="261610"/>
           </a:xfrm>
           <a:prstGeom prst="rect">
@@ -9168,7 +9100,7 @@
         </p:nvSpPr>
         <p:spPr>
           <a:xfrm>
-            <a:off x="754941" y="4551164"/>
+            <a:off x="754941" y="5946331"/>
             <a:ext cx="3260107" cy="289123"/>
           </a:xfrm>
           <a:prstGeom prst="rect">
@@ -9220,7 +9152,7 @@
         </p:nvSpPr>
         <p:spPr>
           <a:xfrm>
-            <a:off x="746628" y="4544736"/>
+            <a:off x="746628" y="5939903"/>
             <a:ext cx="3260106" cy="261610"/>
           </a:xfrm>
           <a:prstGeom prst="rect">
@@ -9264,7 +9196,7 @@
         </p:nvSpPr>
         <p:spPr>
           <a:xfrm>
-            <a:off x="4410443" y="4556847"/>
+            <a:off x="4410443" y="5952014"/>
             <a:ext cx="3260107" cy="289123"/>
           </a:xfrm>
           <a:prstGeom prst="rect">
@@ -9316,7 +9248,7 @@
         </p:nvSpPr>
         <p:spPr>
           <a:xfrm>
-            <a:off x="4402130" y="4550419"/>
+            <a:off x="4402130" y="5945586"/>
             <a:ext cx="3260106" cy="261610"/>
           </a:xfrm>
           <a:prstGeom prst="rect">
@@ -9360,7 +9292,7 @@
         </p:nvSpPr>
         <p:spPr>
           <a:xfrm>
-            <a:off x="8082573" y="4540517"/>
+            <a:off x="8082573" y="5935684"/>
             <a:ext cx="3260107" cy="289123"/>
           </a:xfrm>
           <a:prstGeom prst="rect">
@@ -9412,7 +9344,7 @@
         </p:nvSpPr>
         <p:spPr>
           <a:xfrm>
-            <a:off x="8074260" y="4534089"/>
+            <a:off x="8074260" y="5929256"/>
             <a:ext cx="3260106" cy="261610"/>
           </a:xfrm>
           <a:prstGeom prst="rect">
@@ -9437,6 +9369,342 @@
             <a:r>
               <a:rPr lang="de-CH" sz="1100" b="1" dirty="0" err="1"/>
               <a:t>cl_guest_admin_save</a:t>
+            </a:r>
+            <a:endParaRPr lang="de-CH" b="1" dirty="0"/>
+          </a:p>
+        </p:txBody>
+      </p:sp>
+      <p:sp>
+        <p:nvSpPr>
+          <p:cNvPr id="34" name="Rechteck 33">
+            <a:extLst>
+              <a:ext uri="{FF2B5EF4-FFF2-40B4-BE49-F238E27FC236}">
+                <a16:creationId xmlns:a16="http://schemas.microsoft.com/office/drawing/2014/main" id="{6AA54EAA-8882-DADF-A630-798E4B1FFB04}"/>
+              </a:ext>
+            </a:extLst>
+          </p:cNvPr>
+          <p:cNvSpPr/>
+          <p:nvPr/>
+        </p:nvSpPr>
+        <p:spPr>
+          <a:xfrm>
+            <a:off x="691376" y="338061"/>
+            <a:ext cx="10809246" cy="568714"/>
+          </a:xfrm>
+          <a:prstGeom prst="rect">
+            <a:avLst/>
+          </a:prstGeom>
+          <a:noFill/>
+          <a:ln w="19050">
+            <a:solidFill>
+              <a:schemeClr val="tx1"/>
+            </a:solidFill>
+          </a:ln>
+        </p:spPr>
+        <p:style>
+          <a:lnRef idx="2">
+            <a:schemeClr val="accent1">
+              <a:shade val="50000"/>
+            </a:schemeClr>
+          </a:lnRef>
+          <a:fillRef idx="1">
+            <a:schemeClr val="accent1"/>
+          </a:fillRef>
+          <a:effectRef idx="0">
+            <a:schemeClr val="accent1"/>
+          </a:effectRef>
+          <a:fontRef idx="minor">
+            <a:schemeClr val="lt1"/>
+          </a:fontRef>
+        </p:style>
+        <p:txBody>
+          <a:bodyPr rtlCol="0" anchor="ctr"/>
+          <a:lstStyle/>
+          <a:p>
+            <a:pPr algn="ctr"/>
+            <a:endParaRPr lang="de-CH" dirty="0"/>
+          </a:p>
+        </p:txBody>
+      </p:sp>
+      <p:sp>
+        <p:nvSpPr>
+          <p:cNvPr id="35" name="Textfeld 34">
+            <a:extLst>
+              <a:ext uri="{FF2B5EF4-FFF2-40B4-BE49-F238E27FC236}">
+                <a16:creationId xmlns:a16="http://schemas.microsoft.com/office/drawing/2014/main" id="{3D012FFE-D1D0-E447-6101-46BD299D3B20}"/>
+              </a:ext>
+            </a:extLst>
+          </p:cNvPr>
+          <p:cNvSpPr txBox="1"/>
+          <p:nvPr/>
+        </p:nvSpPr>
+        <p:spPr>
+          <a:xfrm>
+            <a:off x="737418" y="343558"/>
+            <a:ext cx="5428872" cy="261610"/>
+          </a:xfrm>
+          <a:prstGeom prst="rect">
+            <a:avLst/>
+          </a:prstGeom>
+          <a:noFill/>
+        </p:spPr>
+        <p:txBody>
+          <a:bodyPr wrap="square" rtlCol="0">
+            <a:spAutoFit/>
+          </a:bodyPr>
+          <a:lstStyle/>
+          <a:p>
+            <a:r>
+              <a:rPr lang="de-CH" sz="1100" b="1" dirty="0" err="1"/>
+              <a:t>id_div_admin_dropdown_number</a:t>
+            </a:r>
+            <a:r>
+              <a:rPr lang="de-CH" sz="1100" b="1" dirty="0"/>
+              <a:t> </a:t>
+            </a:r>
+            <a:r>
+              <a:rPr lang="de-CH" sz="1100" b="1" dirty="0" err="1"/>
+              <a:t>cl_div_admin_dropdown_number</a:t>
+            </a:r>
+            <a:r>
+              <a:rPr lang="de-CH" sz="1100" b="1" dirty="0"/>
+              <a:t>  </a:t>
+            </a:r>
+            <a:r>
+              <a:rPr lang="de-CH" sz="1100" b="1" dirty="0" err="1"/>
+              <a:t>clear</a:t>
+            </a:r>
+            <a:r>
+              <a:rPr lang="de-CH" sz="1100" b="1" dirty="0"/>
+              <a:t> </a:t>
+            </a:r>
+            <a:r>
+              <a:rPr lang="de-CH" sz="1100" b="1" dirty="0" err="1"/>
+              <a:t>both</a:t>
+            </a:r>
+            <a:endParaRPr lang="de-CH" b="1" dirty="0"/>
+          </a:p>
+        </p:txBody>
+      </p:sp>
+      <p:sp>
+        <p:nvSpPr>
+          <p:cNvPr id="36" name="Rechteck 35">
+            <a:extLst>
+              <a:ext uri="{FF2B5EF4-FFF2-40B4-BE49-F238E27FC236}">
+                <a16:creationId xmlns:a16="http://schemas.microsoft.com/office/drawing/2014/main" id="{C993EFE2-8D9F-C216-7349-438258D6606F}"/>
+              </a:ext>
+            </a:extLst>
+          </p:cNvPr>
+          <p:cNvSpPr/>
+          <p:nvPr/>
+        </p:nvSpPr>
+        <p:spPr>
+          <a:xfrm>
+            <a:off x="844164" y="582420"/>
+            <a:ext cx="2604415" cy="289123"/>
+          </a:xfrm>
+          <a:prstGeom prst="rect">
+            <a:avLst/>
+          </a:prstGeom>
+          <a:noFill/>
+          <a:ln w="12700">
+            <a:solidFill>
+              <a:schemeClr val="tx1"/>
+            </a:solidFill>
+          </a:ln>
+        </p:spPr>
+        <p:style>
+          <a:lnRef idx="2">
+            <a:schemeClr val="accent1">
+              <a:shade val="50000"/>
+            </a:schemeClr>
+          </a:lnRef>
+          <a:fillRef idx="1">
+            <a:schemeClr val="accent1"/>
+          </a:fillRef>
+          <a:effectRef idx="0">
+            <a:schemeClr val="accent1"/>
+          </a:effectRef>
+          <a:fontRef idx="minor">
+            <a:schemeClr val="lt1"/>
+          </a:fontRef>
+        </p:style>
+        <p:txBody>
+          <a:bodyPr rtlCol="0" anchor="ctr"/>
+          <a:lstStyle/>
+          <a:p>
+            <a:pPr algn="ctr"/>
+            <a:endParaRPr lang="de-CH" dirty="0"/>
+          </a:p>
+        </p:txBody>
+      </p:sp>
+      <p:sp>
+        <p:nvSpPr>
+          <p:cNvPr id="37" name="Textfeld 36">
+            <a:extLst>
+              <a:ext uri="{FF2B5EF4-FFF2-40B4-BE49-F238E27FC236}">
+                <a16:creationId xmlns:a16="http://schemas.microsoft.com/office/drawing/2014/main" id="{A45881E2-1B4C-BB35-388E-26C91BAF3D2E}"/>
+              </a:ext>
+            </a:extLst>
+          </p:cNvPr>
+          <p:cNvSpPr txBox="1"/>
+          <p:nvPr/>
+        </p:nvSpPr>
+        <p:spPr>
+          <a:xfrm>
+            <a:off x="784739" y="596176"/>
+            <a:ext cx="2747743" cy="261610"/>
+          </a:xfrm>
+          <a:prstGeom prst="rect">
+            <a:avLst/>
+          </a:prstGeom>
+          <a:noFill/>
+        </p:spPr>
+        <p:txBody>
+          <a:bodyPr wrap="square" rtlCol="0">
+            <a:spAutoFit/>
+          </a:bodyPr>
+          <a:lstStyle/>
+          <a:p>
+            <a:r>
+              <a:rPr lang="de-CH" sz="1100" b="1" dirty="0" err="1"/>
+              <a:t>id</a:t>
+            </a:r>
+            <a:r>
+              <a:rPr lang="de-CH" sz="1100" b="1" dirty="0"/>
+              <a:t>_... </a:t>
+            </a:r>
+            <a:r>
+              <a:rPr lang="de-CH" sz="1100" b="1" dirty="0" err="1"/>
+              <a:t>cl_div_admin_dropdown</a:t>
+            </a:r>
+            <a:r>
+              <a:rPr lang="de-CH" sz="1100" b="1" dirty="0"/>
+              <a:t> </a:t>
+            </a:r>
+            <a:r>
+              <a:rPr lang="de-CH" sz="1100" b="1" dirty="0" err="1"/>
+              <a:t>float</a:t>
+            </a:r>
+            <a:r>
+              <a:rPr lang="de-CH" sz="1100" b="1" dirty="0"/>
+              <a:t> </a:t>
+            </a:r>
+            <a:r>
+              <a:rPr lang="de-CH" sz="1100" b="1" dirty="0" err="1"/>
+              <a:t>left</a:t>
+            </a:r>
+            <a:endParaRPr lang="de-CH" b="1" dirty="0"/>
+          </a:p>
+        </p:txBody>
+      </p:sp>
+      <p:sp>
+        <p:nvSpPr>
+          <p:cNvPr id="38" name="Rechteck 37">
+            <a:extLst>
+              <a:ext uri="{FF2B5EF4-FFF2-40B4-BE49-F238E27FC236}">
+                <a16:creationId xmlns:a16="http://schemas.microsoft.com/office/drawing/2014/main" id="{7574258D-BE5A-046B-849F-53AEB573BABF}"/>
+              </a:ext>
+            </a:extLst>
+          </p:cNvPr>
+          <p:cNvSpPr/>
+          <p:nvPr/>
+        </p:nvSpPr>
+        <p:spPr>
+          <a:xfrm>
+            <a:off x="8802848" y="568664"/>
+            <a:ext cx="2604415" cy="289123"/>
+          </a:xfrm>
+          <a:prstGeom prst="rect">
+            <a:avLst/>
+          </a:prstGeom>
+          <a:noFill/>
+          <a:ln w="12700">
+            <a:solidFill>
+              <a:schemeClr val="tx1"/>
+            </a:solidFill>
+          </a:ln>
+        </p:spPr>
+        <p:style>
+          <a:lnRef idx="2">
+            <a:schemeClr val="accent1">
+              <a:shade val="50000"/>
+            </a:schemeClr>
+          </a:lnRef>
+          <a:fillRef idx="1">
+            <a:schemeClr val="accent1"/>
+          </a:fillRef>
+          <a:effectRef idx="0">
+            <a:schemeClr val="accent1"/>
+          </a:effectRef>
+          <a:fontRef idx="minor">
+            <a:schemeClr val="lt1"/>
+          </a:fontRef>
+        </p:style>
+        <p:txBody>
+          <a:bodyPr rtlCol="0" anchor="ctr"/>
+          <a:lstStyle/>
+          <a:p>
+            <a:pPr algn="ctr"/>
+            <a:endParaRPr lang="de-CH" dirty="0"/>
+          </a:p>
+        </p:txBody>
+      </p:sp>
+      <p:sp>
+        <p:nvSpPr>
+          <p:cNvPr id="39" name="Textfeld 38">
+            <a:extLst>
+              <a:ext uri="{FF2B5EF4-FFF2-40B4-BE49-F238E27FC236}">
+                <a16:creationId xmlns:a16="http://schemas.microsoft.com/office/drawing/2014/main" id="{57892F57-B3C3-591C-3BF3-6EDD7470A202}"/>
+              </a:ext>
+            </a:extLst>
+          </p:cNvPr>
+          <p:cNvSpPr txBox="1"/>
+          <p:nvPr/>
+        </p:nvSpPr>
+        <p:spPr>
+          <a:xfrm>
+            <a:off x="8743423" y="582420"/>
+            <a:ext cx="2747743" cy="261610"/>
+          </a:xfrm>
+          <a:prstGeom prst="rect">
+            <a:avLst/>
+          </a:prstGeom>
+          <a:noFill/>
+        </p:spPr>
+        <p:txBody>
+          <a:bodyPr wrap="square" rtlCol="0">
+            <a:spAutoFit/>
+          </a:bodyPr>
+          <a:lstStyle/>
+          <a:p>
+            <a:r>
+              <a:rPr lang="de-CH" sz="1100" b="1" dirty="0" err="1"/>
+              <a:t>id</a:t>
+            </a:r>
+            <a:r>
+              <a:rPr lang="de-CH" sz="1100" b="1" dirty="0"/>
+              <a:t>_... </a:t>
+            </a:r>
+            <a:r>
+              <a:rPr lang="de-CH" sz="1100" b="1" dirty="0" err="1"/>
+              <a:t>cl_div_admin_number</a:t>
+            </a:r>
+            <a:r>
+              <a:rPr lang="de-CH" sz="1100" b="1" dirty="0"/>
+              <a:t> </a:t>
+            </a:r>
+            <a:r>
+              <a:rPr lang="de-CH" sz="1100" b="1" dirty="0" err="1"/>
+              <a:t>float</a:t>
+            </a:r>
+            <a:r>
+              <a:rPr lang="de-CH" sz="1100" b="1" dirty="0"/>
+              <a:t> </a:t>
+            </a:r>
+            <a:r>
+              <a:rPr lang="de-CH" sz="1100" b="1" dirty="0" err="1"/>
+              <a:t>left</a:t>
             </a:r>
             <a:endParaRPr lang="de-CH" b="1" dirty="0"/>
           </a:p>

--- a/Description/JazzGuestsAdmin.pptx
+++ b/Description/JazzGuestsAdmin.pptx
@@ -258,7 +258,7 @@
           <a:p>
             <a:fld id="{DDCE6D58-9B57-4731-A47B-3CD41B48F0A9}" type="datetimeFigureOut">
               <a:rPr lang="de-CH" smtClean="0"/>
-              <a:t>12.12.2023</a:t>
+              <a:t>21.12.2023</a:t>
             </a:fld>
             <a:endParaRPr lang="de-CH"/>
           </a:p>
@@ -428,7 +428,7 @@
           <a:p>
             <a:fld id="{DDCE6D58-9B57-4731-A47B-3CD41B48F0A9}" type="datetimeFigureOut">
               <a:rPr lang="de-CH" smtClean="0"/>
-              <a:t>12.12.2023</a:t>
+              <a:t>21.12.2023</a:t>
             </a:fld>
             <a:endParaRPr lang="de-CH"/>
           </a:p>
@@ -608,7 +608,7 @@
           <a:p>
             <a:fld id="{DDCE6D58-9B57-4731-A47B-3CD41B48F0A9}" type="datetimeFigureOut">
               <a:rPr lang="de-CH" smtClean="0"/>
-              <a:t>12.12.2023</a:t>
+              <a:t>21.12.2023</a:t>
             </a:fld>
             <a:endParaRPr lang="de-CH"/>
           </a:p>
@@ -778,7 +778,7 @@
           <a:p>
             <a:fld id="{DDCE6D58-9B57-4731-A47B-3CD41B48F0A9}" type="datetimeFigureOut">
               <a:rPr lang="de-CH" smtClean="0"/>
-              <a:t>12.12.2023</a:t>
+              <a:t>21.12.2023</a:t>
             </a:fld>
             <a:endParaRPr lang="de-CH"/>
           </a:p>
@@ -1024,7 +1024,7 @@
           <a:p>
             <a:fld id="{DDCE6D58-9B57-4731-A47B-3CD41B48F0A9}" type="datetimeFigureOut">
               <a:rPr lang="de-CH" smtClean="0"/>
-              <a:t>12.12.2023</a:t>
+              <a:t>21.12.2023</a:t>
             </a:fld>
             <a:endParaRPr lang="de-CH"/>
           </a:p>
@@ -1256,7 +1256,7 @@
           <a:p>
             <a:fld id="{DDCE6D58-9B57-4731-A47B-3CD41B48F0A9}" type="datetimeFigureOut">
               <a:rPr lang="de-CH" smtClean="0"/>
-              <a:t>12.12.2023</a:t>
+              <a:t>21.12.2023</a:t>
             </a:fld>
             <a:endParaRPr lang="de-CH"/>
           </a:p>
@@ -1623,7 +1623,7 @@
           <a:p>
             <a:fld id="{DDCE6D58-9B57-4731-A47B-3CD41B48F0A9}" type="datetimeFigureOut">
               <a:rPr lang="de-CH" smtClean="0"/>
-              <a:t>12.12.2023</a:t>
+              <a:t>21.12.2023</a:t>
             </a:fld>
             <a:endParaRPr lang="de-CH"/>
           </a:p>
@@ -1741,7 +1741,7 @@
           <a:p>
             <a:fld id="{DDCE6D58-9B57-4731-A47B-3CD41B48F0A9}" type="datetimeFigureOut">
               <a:rPr lang="de-CH" smtClean="0"/>
-              <a:t>12.12.2023</a:t>
+              <a:t>21.12.2023</a:t>
             </a:fld>
             <a:endParaRPr lang="de-CH"/>
           </a:p>
@@ -1836,7 +1836,7 @@
           <a:p>
             <a:fld id="{DDCE6D58-9B57-4731-A47B-3CD41B48F0A9}" type="datetimeFigureOut">
               <a:rPr lang="de-CH" smtClean="0"/>
-              <a:t>12.12.2023</a:t>
+              <a:t>21.12.2023</a:t>
             </a:fld>
             <a:endParaRPr lang="de-CH"/>
           </a:p>
@@ -2113,7 +2113,7 @@
           <a:p>
             <a:fld id="{DDCE6D58-9B57-4731-A47B-3CD41B48F0A9}" type="datetimeFigureOut">
               <a:rPr lang="de-CH" smtClean="0"/>
-              <a:t>12.12.2023</a:t>
+              <a:t>21.12.2023</a:t>
             </a:fld>
             <a:endParaRPr lang="de-CH"/>
           </a:p>
@@ -2366,7 +2366,7 @@
           <a:p>
             <a:fld id="{DDCE6D58-9B57-4731-A47B-3CD41B48F0A9}" type="datetimeFigureOut">
               <a:rPr lang="de-CH" smtClean="0"/>
-              <a:t>12.12.2023</a:t>
+              <a:t>21.12.2023</a:t>
             </a:fld>
             <a:endParaRPr lang="de-CH"/>
           </a:p>
@@ -2579,7 +2579,7 @@
           <a:p>
             <a:fld id="{DDCE6D58-9B57-4731-A47B-3CD41B48F0A9}" type="datetimeFigureOut">
               <a:rPr lang="de-CH" smtClean="0"/>
-              <a:t>12.12.2023</a:t>
+              <a:t>21.12.2023</a:t>
             </a:fld>
             <a:endParaRPr lang="de-CH"/>
           </a:p>
@@ -7760,7 +7760,7 @@
         </p:nvSpPr>
         <p:spPr>
           <a:xfrm>
-            <a:off x="821444" y="2068646"/>
+            <a:off x="821444" y="1446475"/>
             <a:ext cx="5059776" cy="2834491"/>
           </a:xfrm>
           <a:prstGeom prst="rect">
@@ -7812,7 +7812,7 @@
         </p:nvSpPr>
         <p:spPr>
           <a:xfrm>
-            <a:off x="821443" y="2132279"/>
+            <a:off x="821443" y="1510108"/>
             <a:ext cx="4721518" cy="261610"/>
           </a:xfrm>
           <a:prstGeom prst="rect">
@@ -7872,7 +7872,7 @@
         </p:nvSpPr>
         <p:spPr>
           <a:xfrm>
-            <a:off x="6282904" y="2068646"/>
+            <a:off x="6282904" y="1446475"/>
             <a:ext cx="5059776" cy="2834491"/>
           </a:xfrm>
           <a:prstGeom prst="rect">
@@ -7924,7 +7924,7 @@
         </p:nvSpPr>
         <p:spPr>
           <a:xfrm>
-            <a:off x="6407594" y="2116848"/>
+            <a:off x="6407594" y="1494677"/>
             <a:ext cx="4544953" cy="261610"/>
           </a:xfrm>
           <a:prstGeom prst="rect">
@@ -7988,7 +7988,7 @@
         </p:nvSpPr>
         <p:spPr>
           <a:xfrm>
-            <a:off x="880868" y="2457522"/>
+            <a:off x="880868" y="1835351"/>
             <a:ext cx="4875661" cy="289123"/>
           </a:xfrm>
           <a:prstGeom prst="rect">
@@ -8040,7 +8040,7 @@
         </p:nvSpPr>
         <p:spPr>
           <a:xfrm>
-            <a:off x="880868" y="2451094"/>
+            <a:off x="880868" y="1828923"/>
             <a:ext cx="4568090" cy="261610"/>
           </a:xfrm>
           <a:prstGeom prst="rect">
@@ -8100,7 +8100,7 @@
         </p:nvSpPr>
         <p:spPr>
           <a:xfrm>
-            <a:off x="880868" y="2831595"/>
+            <a:off x="880868" y="2209424"/>
             <a:ext cx="4875661" cy="1971790"/>
           </a:xfrm>
           <a:prstGeom prst="rect">
@@ -8152,7 +8152,7 @@
         </p:nvSpPr>
         <p:spPr>
           <a:xfrm>
-            <a:off x="880868" y="2825167"/>
+            <a:off x="880868" y="2202996"/>
             <a:ext cx="5000352" cy="261610"/>
           </a:xfrm>
           <a:prstGeom prst="rect">
@@ -8212,7 +8212,7 @@
         </p:nvSpPr>
         <p:spPr>
           <a:xfrm>
-            <a:off x="6407594" y="2759932"/>
+            <a:off x="6407594" y="2137761"/>
             <a:ext cx="4875661" cy="653689"/>
           </a:xfrm>
           <a:prstGeom prst="rect">
@@ -8264,7 +8264,7 @@
         </p:nvSpPr>
         <p:spPr>
           <a:xfrm>
-            <a:off x="6407594" y="2753504"/>
+            <a:off x="6407594" y="2131333"/>
             <a:ext cx="4568090" cy="261610"/>
           </a:xfrm>
           <a:prstGeom prst="rect">
@@ -8308,7 +8308,7 @@
         </p:nvSpPr>
         <p:spPr>
           <a:xfrm>
-            <a:off x="6491958" y="3032388"/>
+            <a:off x="6491958" y="2410217"/>
             <a:ext cx="2298715" cy="289123"/>
           </a:xfrm>
           <a:prstGeom prst="rect">
@@ -8360,7 +8360,7 @@
         </p:nvSpPr>
         <p:spPr>
           <a:xfrm>
-            <a:off x="6491957" y="3032619"/>
+            <a:off x="6491957" y="2410448"/>
             <a:ext cx="2041021" cy="261610"/>
           </a:xfrm>
           <a:prstGeom prst="rect">
@@ -8400,7 +8400,7 @@
         </p:nvSpPr>
         <p:spPr>
           <a:xfrm>
-            <a:off x="8880480" y="3026848"/>
+            <a:off x="8880480" y="2404677"/>
             <a:ext cx="2298715" cy="289123"/>
           </a:xfrm>
           <a:prstGeom prst="rect">
@@ -8452,7 +8452,7 @@
         </p:nvSpPr>
         <p:spPr>
           <a:xfrm>
-            <a:off x="8880479" y="3020419"/>
+            <a:off x="8880479" y="2398248"/>
             <a:ext cx="2383080" cy="261610"/>
           </a:xfrm>
           <a:prstGeom prst="rect">
@@ -8588,7 +8588,7 @@
         </p:nvSpPr>
         <p:spPr>
           <a:xfrm>
-            <a:off x="6396211" y="3474700"/>
+            <a:off x="6415907" y="1769132"/>
             <a:ext cx="4875661" cy="289123"/>
           </a:xfrm>
           <a:prstGeom prst="rect">
@@ -8640,7 +8640,7 @@
         </p:nvSpPr>
         <p:spPr>
           <a:xfrm>
-            <a:off x="6387898" y="3468272"/>
+            <a:off x="6407594" y="1762704"/>
             <a:ext cx="4568090" cy="261610"/>
           </a:xfrm>
           <a:prstGeom prst="rect">
@@ -8684,7 +8684,7 @@
         </p:nvSpPr>
         <p:spPr>
           <a:xfrm>
-            <a:off x="6415907" y="3815784"/>
+            <a:off x="793052" y="5050075"/>
             <a:ext cx="4875661" cy="289123"/>
           </a:xfrm>
           <a:prstGeom prst="rect">
@@ -8736,7 +8736,7 @@
         </p:nvSpPr>
         <p:spPr>
           <a:xfrm>
-            <a:off x="6407594" y="3809356"/>
+            <a:off x="784739" y="5043647"/>
             <a:ext cx="4568090" cy="261610"/>
           </a:xfrm>
           <a:prstGeom prst="rect">
@@ -8780,8 +8780,8 @@
         </p:nvSpPr>
         <p:spPr>
           <a:xfrm>
-            <a:off x="6392770" y="4216300"/>
-            <a:ext cx="4875661" cy="289123"/>
+            <a:off x="8323793" y="5087300"/>
+            <a:ext cx="3041319" cy="289123"/>
           </a:xfrm>
           <a:prstGeom prst="rect">
             <a:avLst/>
@@ -8832,8 +8832,8 @@
         </p:nvSpPr>
         <p:spPr>
           <a:xfrm>
-            <a:off x="6384457" y="4209872"/>
-            <a:ext cx="4568090" cy="261610"/>
+            <a:off x="8315480" y="5080872"/>
+            <a:ext cx="2948079" cy="261610"/>
           </a:xfrm>
           <a:prstGeom prst="rect">
             <a:avLst/>
@@ -8876,7 +8876,7 @@
         </p:nvSpPr>
         <p:spPr>
           <a:xfrm>
-            <a:off x="691377" y="1775331"/>
+            <a:off x="691377" y="1153160"/>
             <a:ext cx="10809246" cy="3435378"/>
           </a:xfrm>
           <a:prstGeom prst="rect">
@@ -8928,7 +8928,7 @@
         </p:nvSpPr>
         <p:spPr>
           <a:xfrm>
-            <a:off x="691377" y="1768745"/>
+            <a:off x="691377" y="1146574"/>
             <a:ext cx="5428872" cy="261610"/>
           </a:xfrm>
           <a:prstGeom prst="rect">
@@ -9705,6 +9705,118 @@
             <a:r>
               <a:rPr lang="de-CH" sz="1100" b="1" dirty="0" err="1"/>
               <a:t>left</a:t>
+            </a:r>
+            <a:endParaRPr lang="de-CH" b="1" dirty="0"/>
+          </a:p>
+        </p:txBody>
+      </p:sp>
+      <p:sp>
+        <p:nvSpPr>
+          <p:cNvPr id="40" name="Rechteck 39">
+            <a:extLst>
+              <a:ext uri="{FF2B5EF4-FFF2-40B4-BE49-F238E27FC236}">
+                <a16:creationId xmlns:a16="http://schemas.microsoft.com/office/drawing/2014/main" id="{A0A6EDCF-39F2-B8C0-2118-3AA97C64D653}"/>
+              </a:ext>
+            </a:extLst>
+          </p:cNvPr>
+          <p:cNvSpPr/>
+          <p:nvPr/>
+        </p:nvSpPr>
+        <p:spPr>
+          <a:xfrm>
+            <a:off x="656029" y="4669842"/>
+            <a:ext cx="10879939" cy="794917"/>
+          </a:xfrm>
+          <a:prstGeom prst="rect">
+            <a:avLst/>
+          </a:prstGeom>
+          <a:noFill/>
+          <a:ln w="19050">
+            <a:solidFill>
+              <a:schemeClr val="tx1"/>
+            </a:solidFill>
+          </a:ln>
+        </p:spPr>
+        <p:style>
+          <a:lnRef idx="2">
+            <a:schemeClr val="accent1">
+              <a:shade val="50000"/>
+            </a:schemeClr>
+          </a:lnRef>
+          <a:fillRef idx="1">
+            <a:schemeClr val="accent1"/>
+          </a:fillRef>
+          <a:effectRef idx="0">
+            <a:schemeClr val="accent1"/>
+          </a:effectRef>
+          <a:fontRef idx="minor">
+            <a:schemeClr val="lt1"/>
+          </a:fontRef>
+        </p:style>
+        <p:txBody>
+          <a:bodyPr rtlCol="0" anchor="ctr"/>
+          <a:lstStyle/>
+          <a:p>
+            <a:pPr algn="ctr"/>
+            <a:endParaRPr lang="de-CH" dirty="0"/>
+          </a:p>
+        </p:txBody>
+      </p:sp>
+      <p:sp>
+        <p:nvSpPr>
+          <p:cNvPr id="41" name="Textfeld 40">
+            <a:extLst>
+              <a:ext uri="{FF2B5EF4-FFF2-40B4-BE49-F238E27FC236}">
+                <a16:creationId xmlns:a16="http://schemas.microsoft.com/office/drawing/2014/main" id="{F623C9BC-F81E-5917-E007-C482CA40797B}"/>
+              </a:ext>
+            </a:extLst>
+          </p:cNvPr>
+          <p:cNvSpPr txBox="1"/>
+          <p:nvPr/>
+        </p:nvSpPr>
+        <p:spPr>
+          <a:xfrm>
+            <a:off x="691376" y="4710827"/>
+            <a:ext cx="4333461" cy="261610"/>
+          </a:xfrm>
+          <a:prstGeom prst="rect">
+            <a:avLst/>
+          </a:prstGeom>
+          <a:noFill/>
+        </p:spPr>
+        <p:txBody>
+          <a:bodyPr wrap="square" rtlCol="0">
+            <a:spAutoFit/>
+          </a:bodyPr>
+          <a:lstStyle/>
+          <a:p>
+            <a:r>
+              <a:rPr lang="de-CH" sz="1100" b="1" dirty="0" err="1"/>
+              <a:t>id_div_admin_band_date</a:t>
+            </a:r>
+            <a:r>
+              <a:rPr lang="de-CH" sz="1100" b="1" dirty="0"/>
+              <a:t>  </a:t>
+            </a:r>
+            <a:r>
+              <a:rPr lang="de-CH" sz="1100" b="1" dirty="0" err="1"/>
+              <a:t>cl_div_admin_band_date</a:t>
+            </a:r>
+            <a:r>
+              <a:rPr lang="de-CH" sz="1100" b="1" dirty="0"/>
+              <a:t>  </a:t>
+            </a:r>
+            <a:r>
+              <a:rPr lang="de-CH" sz="1100" b="1" dirty="0" err="1"/>
+              <a:t>clear</a:t>
+            </a:r>
+            <a:r>
+              <a:rPr lang="de-CH" sz="1100" b="1" dirty="0"/>
+              <a:t> </a:t>
+            </a:r>
+            <a:r>
+              <a:rPr lang="de-CH" sz="1100" b="1" dirty="0" err="1"/>
+              <a:t>both</a:t>
             </a:r>
             <a:endParaRPr lang="de-CH" b="1" dirty="0"/>
           </a:p>

--- a/Description/JazzGuestsAdmin.pptx
+++ b/Description/JazzGuestsAdmin.pptx
@@ -258,7 +258,7 @@
           <a:p>
             <a:fld id="{DDCE6D58-9B57-4731-A47B-3CD41B48F0A9}" type="datetimeFigureOut">
               <a:rPr lang="de-CH" smtClean="0"/>
-              <a:t>21.12.2023</a:t>
+              <a:t>19.01.2024</a:t>
             </a:fld>
             <a:endParaRPr lang="de-CH"/>
           </a:p>
@@ -428,7 +428,7 @@
           <a:p>
             <a:fld id="{DDCE6D58-9B57-4731-A47B-3CD41B48F0A9}" type="datetimeFigureOut">
               <a:rPr lang="de-CH" smtClean="0"/>
-              <a:t>21.12.2023</a:t>
+              <a:t>19.01.2024</a:t>
             </a:fld>
             <a:endParaRPr lang="de-CH"/>
           </a:p>
@@ -608,7 +608,7 @@
           <a:p>
             <a:fld id="{DDCE6D58-9B57-4731-A47B-3CD41B48F0A9}" type="datetimeFigureOut">
               <a:rPr lang="de-CH" smtClean="0"/>
-              <a:t>21.12.2023</a:t>
+              <a:t>19.01.2024</a:t>
             </a:fld>
             <a:endParaRPr lang="de-CH"/>
           </a:p>
@@ -778,7 +778,7 @@
           <a:p>
             <a:fld id="{DDCE6D58-9B57-4731-A47B-3CD41B48F0A9}" type="datetimeFigureOut">
               <a:rPr lang="de-CH" smtClean="0"/>
-              <a:t>21.12.2023</a:t>
+              <a:t>19.01.2024</a:t>
             </a:fld>
             <a:endParaRPr lang="de-CH"/>
           </a:p>
@@ -1024,7 +1024,7 @@
           <a:p>
             <a:fld id="{DDCE6D58-9B57-4731-A47B-3CD41B48F0A9}" type="datetimeFigureOut">
               <a:rPr lang="de-CH" smtClean="0"/>
-              <a:t>21.12.2023</a:t>
+              <a:t>19.01.2024</a:t>
             </a:fld>
             <a:endParaRPr lang="de-CH"/>
           </a:p>
@@ -1256,7 +1256,7 @@
           <a:p>
             <a:fld id="{DDCE6D58-9B57-4731-A47B-3CD41B48F0A9}" type="datetimeFigureOut">
               <a:rPr lang="de-CH" smtClean="0"/>
-              <a:t>21.12.2023</a:t>
+              <a:t>19.01.2024</a:t>
             </a:fld>
             <a:endParaRPr lang="de-CH"/>
           </a:p>
@@ -1623,7 +1623,7 @@
           <a:p>
             <a:fld id="{DDCE6D58-9B57-4731-A47B-3CD41B48F0A9}" type="datetimeFigureOut">
               <a:rPr lang="de-CH" smtClean="0"/>
-              <a:t>21.12.2023</a:t>
+              <a:t>19.01.2024</a:t>
             </a:fld>
             <a:endParaRPr lang="de-CH"/>
           </a:p>
@@ -1741,7 +1741,7 @@
           <a:p>
             <a:fld id="{DDCE6D58-9B57-4731-A47B-3CD41B48F0A9}" type="datetimeFigureOut">
               <a:rPr lang="de-CH" smtClean="0"/>
-              <a:t>21.12.2023</a:t>
+              <a:t>19.01.2024</a:t>
             </a:fld>
             <a:endParaRPr lang="de-CH"/>
           </a:p>
@@ -1836,7 +1836,7 @@
           <a:p>
             <a:fld id="{DDCE6D58-9B57-4731-A47B-3CD41B48F0A9}" type="datetimeFigureOut">
               <a:rPr lang="de-CH" smtClean="0"/>
-              <a:t>21.12.2023</a:t>
+              <a:t>19.01.2024</a:t>
             </a:fld>
             <a:endParaRPr lang="de-CH"/>
           </a:p>
@@ -2113,7 +2113,7 @@
           <a:p>
             <a:fld id="{DDCE6D58-9B57-4731-A47B-3CD41B48F0A9}" type="datetimeFigureOut">
               <a:rPr lang="de-CH" smtClean="0"/>
-              <a:t>21.12.2023</a:t>
+              <a:t>19.01.2024</a:t>
             </a:fld>
             <a:endParaRPr lang="de-CH"/>
           </a:p>
@@ -2366,7 +2366,7 @@
           <a:p>
             <a:fld id="{DDCE6D58-9B57-4731-A47B-3CD41B48F0A9}" type="datetimeFigureOut">
               <a:rPr lang="de-CH" smtClean="0"/>
-              <a:t>21.12.2023</a:t>
+              <a:t>19.01.2024</a:t>
             </a:fld>
             <a:endParaRPr lang="de-CH"/>
           </a:p>
@@ -2579,7 +2579,7 @@
           <a:p>
             <a:fld id="{DDCE6D58-9B57-4731-A47B-3CD41B48F0A9}" type="datetimeFigureOut">
               <a:rPr lang="de-CH" smtClean="0"/>
-              <a:t>21.12.2023</a:t>
+              <a:t>19.01.2024</a:t>
             </a:fld>
             <a:endParaRPr lang="de-CH"/>
           </a:p>
@@ -2986,10 +2986,10 @@
       </p:grpSpPr>
       <p:sp>
         <p:nvSpPr>
-          <p:cNvPr id="5" name="Rechteck 4">
-            <a:extLst>
-              <a:ext uri="{FF2B5EF4-FFF2-40B4-BE49-F238E27FC236}">
-                <a16:creationId xmlns:a16="http://schemas.microsoft.com/office/drawing/2014/main" id="{E284BFCE-1AB1-164E-C422-89716AE28C86}"/>
+          <p:cNvPr id="6" name="Rechteck 5">
+            <a:extLst>
+              <a:ext uri="{FF2B5EF4-FFF2-40B4-BE49-F238E27FC236}">
+                <a16:creationId xmlns:a16="http://schemas.microsoft.com/office/drawing/2014/main" id="{52642682-1E91-FB4F-10CA-9E21DB17F33C}"/>
               </a:ext>
             </a:extLst>
           </p:cNvPr>
@@ -2998,8 +2998,8 @@
         </p:nvSpPr>
         <p:spPr>
           <a:xfrm>
-            <a:off x="3639247" y="116702"/>
-            <a:ext cx="4733333" cy="6527937"/>
+            <a:off x="6849326" y="895000"/>
+            <a:ext cx="4733333" cy="5717750"/>
           </a:xfrm>
           <a:prstGeom prst="rect">
             <a:avLst/>
@@ -3046,6 +3046,66 @@
       </p:sp>
       <p:sp>
         <p:nvSpPr>
+          <p:cNvPr id="5" name="Rechteck 4">
+            <a:extLst>
+              <a:ext uri="{FF2B5EF4-FFF2-40B4-BE49-F238E27FC236}">
+                <a16:creationId xmlns:a16="http://schemas.microsoft.com/office/drawing/2014/main" id="{E284BFCE-1AB1-164E-C422-89716AE28C86}"/>
+              </a:ext>
+            </a:extLst>
+          </p:cNvPr>
+          <p:cNvSpPr/>
+          <p:nvPr/>
+        </p:nvSpPr>
+        <p:spPr>
+          <a:xfrm>
+            <a:off x="1122291" y="116702"/>
+            <a:ext cx="4733333" cy="6527937"/>
+          </a:xfrm>
+          <a:prstGeom prst="rect">
+            <a:avLst/>
+          </a:prstGeom>
+          <a:solidFill>
+            <a:srgbClr val="DFE0E1"/>
+          </a:solidFill>
+          <a:ln>
+            <a:solidFill>
+              <a:srgbClr val="C8C8C8"/>
+            </a:solidFill>
+          </a:ln>
+        </p:spPr>
+        <p:style>
+          <a:lnRef idx="2">
+            <a:schemeClr val="accent1">
+              <a:shade val="50000"/>
+            </a:schemeClr>
+          </a:lnRef>
+          <a:fillRef idx="1">
+            <a:schemeClr val="accent1"/>
+          </a:fillRef>
+          <a:effectRef idx="0">
+            <a:schemeClr val="accent1"/>
+          </a:effectRef>
+          <a:fontRef idx="minor">
+            <a:schemeClr val="lt1"/>
+          </a:fontRef>
+        </p:style>
+        <p:txBody>
+          <a:bodyPr rtlCol="0" anchor="ctr"/>
+          <a:lstStyle/>
+          <a:p>
+            <a:pPr algn="ctr"/>
+            <a:endParaRPr lang="de-CH" sz="1600" dirty="0">
+              <a:solidFill>
+                <a:schemeClr val="tx1"/>
+              </a:solidFill>
+              <a:latin typeface="Arial" panose="020B0604020202020204" pitchFamily="34" charset="0"/>
+              <a:cs typeface="Arial" panose="020B0604020202020204" pitchFamily="34" charset="0"/>
+            </a:endParaRPr>
+          </a:p>
+        </p:txBody>
+      </p:sp>
+      <p:sp>
+        <p:nvSpPr>
           <p:cNvPr id="2" name="Rechteck 1">
             <a:extLst>
               <a:ext uri="{FF2B5EF4-FFF2-40B4-BE49-F238E27FC236}">
@@ -3058,7 +3118,7 @@
         </p:nvSpPr>
         <p:spPr>
           <a:xfrm>
-            <a:off x="3639247" y="116702"/>
+            <a:off x="1122291" y="116702"/>
             <a:ext cx="4733333" cy="769028"/>
           </a:xfrm>
           <a:prstGeom prst="rect">
@@ -3142,7 +3202,7 @@
         </p:blipFill>
         <p:spPr>
           <a:xfrm>
-            <a:off x="4844253" y="213361"/>
+            <a:off x="2327297" y="213361"/>
             <a:ext cx="2457143" cy="238095"/>
           </a:xfrm>
           <a:prstGeom prst="rect">
@@ -3172,7 +3232,7 @@
         </p:blipFill>
         <p:spPr>
           <a:xfrm>
-            <a:off x="7768436" y="451456"/>
+            <a:off x="5251480" y="451456"/>
             <a:ext cx="331444" cy="256116"/>
           </a:xfrm>
           <a:prstGeom prst="rect">
@@ -3202,7 +3262,7 @@
         </p:blipFill>
         <p:spPr>
           <a:xfrm>
-            <a:off x="3639247" y="895000"/>
+            <a:off x="1122291" y="895000"/>
             <a:ext cx="4733333" cy="247619"/>
           </a:xfrm>
           <a:prstGeom prst="rect">
@@ -3224,7 +3284,7 @@
         </p:nvSpPr>
         <p:spPr>
           <a:xfrm>
-            <a:off x="3741929" y="1358484"/>
+            <a:off x="1224973" y="1358484"/>
             <a:ext cx="2573429" cy="247619"/>
           </a:xfrm>
           <a:prstGeom prst="rect">
@@ -3312,7 +3372,7 @@
         </p:blipFill>
         <p:spPr>
           <a:xfrm>
-            <a:off x="5806815" y="1392809"/>
+            <a:off x="3289859" y="1392809"/>
             <a:ext cx="321154" cy="157428"/>
           </a:xfrm>
           <a:prstGeom prst="rect">
@@ -3334,7 +3394,7 @@
         </p:nvSpPr>
         <p:spPr>
           <a:xfrm>
-            <a:off x="3706374" y="1101595"/>
+            <a:off x="1189418" y="1101595"/>
             <a:ext cx="1218285" cy="276999"/>
           </a:xfrm>
           <a:prstGeom prst="rect">
@@ -3380,7 +3440,7 @@
         </p:blipFill>
         <p:spPr>
           <a:xfrm>
-            <a:off x="6603507" y="1420621"/>
+            <a:off x="4086551" y="1420621"/>
             <a:ext cx="142857" cy="133333"/>
           </a:xfrm>
           <a:prstGeom prst="rect">
@@ -3402,7 +3462,7 @@
         </p:nvSpPr>
         <p:spPr>
           <a:xfrm>
-            <a:off x="6350581" y="1155504"/>
+            <a:off x="3833625" y="1155504"/>
             <a:ext cx="839424" cy="276999"/>
           </a:xfrm>
           <a:prstGeom prst="rect">
@@ -3440,7 +3500,7 @@
         </p:nvSpPr>
         <p:spPr>
           <a:xfrm>
-            <a:off x="3762623" y="5635014"/>
+            <a:off x="7013101" y="4118444"/>
             <a:ext cx="1342536" cy="276999"/>
           </a:xfrm>
           <a:prstGeom prst="rect">
@@ -3478,7 +3538,7 @@
         </p:nvSpPr>
         <p:spPr>
           <a:xfrm>
-            <a:off x="3727061" y="5912014"/>
+            <a:off x="6977539" y="4395444"/>
             <a:ext cx="4500808" cy="195316"/>
           </a:xfrm>
           <a:prstGeom prst="rect">
@@ -3560,7 +3620,7 @@
         </p:nvSpPr>
         <p:spPr>
           <a:xfrm>
-            <a:off x="3708371" y="4137607"/>
+            <a:off x="6958849" y="2621037"/>
             <a:ext cx="1619029" cy="276999"/>
           </a:xfrm>
           <a:prstGeom prst="rect">
@@ -3598,7 +3658,7 @@
         </p:nvSpPr>
         <p:spPr>
           <a:xfrm>
-            <a:off x="3743927" y="4394275"/>
+            <a:off x="6994405" y="2877705"/>
             <a:ext cx="4500808" cy="174880"/>
           </a:xfrm>
           <a:prstGeom prst="rect">
@@ -3680,7 +3740,7 @@
         </p:nvSpPr>
         <p:spPr>
           <a:xfrm>
-            <a:off x="3656970" y="4538736"/>
+            <a:off x="6907448" y="3022166"/>
             <a:ext cx="1619029" cy="276999"/>
           </a:xfrm>
           <a:prstGeom prst="rect">
@@ -3718,7 +3778,7 @@
         </p:nvSpPr>
         <p:spPr>
           <a:xfrm>
-            <a:off x="3744564" y="4795403"/>
+            <a:off x="6995042" y="3278833"/>
             <a:ext cx="4500808" cy="455491"/>
           </a:xfrm>
           <a:prstGeom prst="rect">
@@ -3809,7 +3869,7 @@
         </p:nvSpPr>
         <p:spPr>
           <a:xfrm>
-            <a:off x="3670817" y="5229006"/>
+            <a:off x="6921295" y="3712436"/>
             <a:ext cx="1619029" cy="276999"/>
           </a:xfrm>
           <a:prstGeom prst="rect">
@@ -3847,7 +3907,7 @@
         </p:nvSpPr>
         <p:spPr>
           <a:xfrm>
-            <a:off x="3706373" y="5470807"/>
+            <a:off x="6956851" y="3954237"/>
             <a:ext cx="2851250" cy="217827"/>
           </a:xfrm>
           <a:prstGeom prst="rect">
@@ -3929,7 +3989,7 @@
         </p:nvSpPr>
         <p:spPr>
           <a:xfrm>
-            <a:off x="6651910" y="5222445"/>
+            <a:off x="9902388" y="3705875"/>
             <a:ext cx="1619029" cy="276999"/>
           </a:xfrm>
           <a:prstGeom prst="rect">
@@ -3967,7 +4027,7 @@
         </p:nvSpPr>
         <p:spPr>
           <a:xfrm>
-            <a:off x="6687466" y="5464247"/>
+            <a:off x="9937944" y="3947677"/>
             <a:ext cx="1555271" cy="224388"/>
           </a:xfrm>
           <a:prstGeom prst="rect">
@@ -4049,7 +4109,7 @@
         </p:nvSpPr>
         <p:spPr>
           <a:xfrm>
-            <a:off x="3741929" y="1663288"/>
+            <a:off x="1224973" y="1663288"/>
             <a:ext cx="2225463" cy="253320"/>
           </a:xfrm>
           <a:prstGeom prst="rect">
@@ -4115,128 +4175,6 @@
           </a:p>
         </p:txBody>
       </p:sp>
-      <p:sp>
-        <p:nvSpPr>
-          <p:cNvPr id="28" name="Rechteck 27">
-            <a:extLst>
-              <a:ext uri="{FF2B5EF4-FFF2-40B4-BE49-F238E27FC236}">
-                <a16:creationId xmlns:a16="http://schemas.microsoft.com/office/drawing/2014/main" id="{FE4171DB-82A0-E127-0DB2-1DAB7B47A1C2}"/>
-              </a:ext>
-            </a:extLst>
-          </p:cNvPr>
-          <p:cNvSpPr/>
-          <p:nvPr/>
-        </p:nvSpPr>
-        <p:spPr>
-          <a:xfrm>
-            <a:off x="6177519" y="1985167"/>
-            <a:ext cx="860597" cy="202374"/>
-          </a:xfrm>
-          <a:prstGeom prst="rect">
-            <a:avLst/>
-          </a:prstGeom>
-          <a:noFill/>
-          <a:ln>
-            <a:solidFill>
-              <a:schemeClr val="tx1"/>
-            </a:solidFill>
-          </a:ln>
-        </p:spPr>
-        <p:style>
-          <a:lnRef idx="2">
-            <a:schemeClr val="accent1">
-              <a:shade val="50000"/>
-            </a:schemeClr>
-          </a:lnRef>
-          <a:fillRef idx="1">
-            <a:schemeClr val="accent1"/>
-          </a:fillRef>
-          <a:effectRef idx="0">
-            <a:schemeClr val="accent1"/>
-          </a:effectRef>
-          <a:fontRef idx="minor">
-            <a:schemeClr val="lt1"/>
-          </a:fontRef>
-        </p:style>
-        <p:txBody>
-          <a:bodyPr rtlCol="0" anchor="ctr"/>
-          <a:lstStyle/>
-          <a:p>
-            <a:pPr algn="ctr"/>
-            <a:r>
-              <a:rPr lang="de-CH" sz="1200" dirty="0">
-                <a:solidFill>
-                  <a:schemeClr val="tx1"/>
-                </a:solidFill>
-                <a:latin typeface="Arial" panose="020B0604020202020204" pitchFamily="34" charset="0"/>
-                <a:cs typeface="Arial" panose="020B0604020202020204" pitchFamily="34" charset="0"/>
-              </a:rPr>
-              <a:t>Upload</a:t>
-            </a:r>
-          </a:p>
-        </p:txBody>
-      </p:sp>
-      <p:sp>
-        <p:nvSpPr>
-          <p:cNvPr id="30" name="Rechteck 29">
-            <a:extLst>
-              <a:ext uri="{FF2B5EF4-FFF2-40B4-BE49-F238E27FC236}">
-                <a16:creationId xmlns:a16="http://schemas.microsoft.com/office/drawing/2014/main" id="{2A7B6659-0360-B256-77D4-2B16C107072B}"/>
-              </a:ext>
-            </a:extLst>
-          </p:cNvPr>
-          <p:cNvSpPr/>
-          <p:nvPr/>
-        </p:nvSpPr>
-        <p:spPr>
-          <a:xfrm>
-            <a:off x="7190005" y="1980370"/>
-            <a:ext cx="860597" cy="202375"/>
-          </a:xfrm>
-          <a:prstGeom prst="rect">
-            <a:avLst/>
-          </a:prstGeom>
-          <a:noFill/>
-          <a:ln>
-            <a:solidFill>
-              <a:schemeClr val="tx1"/>
-            </a:solidFill>
-          </a:ln>
-        </p:spPr>
-        <p:style>
-          <a:lnRef idx="2">
-            <a:schemeClr val="accent1">
-              <a:shade val="50000"/>
-            </a:schemeClr>
-          </a:lnRef>
-          <a:fillRef idx="1">
-            <a:schemeClr val="accent1"/>
-          </a:fillRef>
-          <a:effectRef idx="0">
-            <a:schemeClr val="accent1"/>
-          </a:effectRef>
-          <a:fontRef idx="minor">
-            <a:schemeClr val="lt1"/>
-          </a:fontRef>
-        </p:style>
-        <p:txBody>
-          <a:bodyPr rtlCol="0" anchor="ctr"/>
-          <a:lstStyle/>
-          <a:p>
-            <a:pPr algn="ctr"/>
-            <a:r>
-              <a:rPr lang="de-CH" sz="1200" dirty="0">
-                <a:solidFill>
-                  <a:schemeClr val="tx1"/>
-                </a:solidFill>
-                <a:latin typeface="Arial" panose="020B0604020202020204" pitchFamily="34" charset="0"/>
-                <a:cs typeface="Arial" panose="020B0604020202020204" pitchFamily="34" charset="0"/>
-              </a:rPr>
-              <a:t>Download</a:t>
-            </a:r>
-          </a:p>
-        </p:txBody>
-      </p:sp>
       <p:pic>
         <p:nvPicPr>
           <p:cNvPr id="31" name="Grafik 30">
@@ -4259,7 +4197,7 @@
         </p:blipFill>
         <p:spPr>
           <a:xfrm>
-            <a:off x="4016156" y="1945330"/>
+            <a:off x="1499200" y="1945330"/>
             <a:ext cx="1509835" cy="1306692"/>
           </a:xfrm>
           <a:prstGeom prst="rect">
@@ -4281,7 +4219,7 @@
         </p:nvSpPr>
         <p:spPr>
           <a:xfrm>
-            <a:off x="3741929" y="1940752"/>
+            <a:off x="1224973" y="1940752"/>
             <a:ext cx="2050639" cy="1338081"/>
           </a:xfrm>
           <a:prstGeom prst="rect">
@@ -4348,7 +4286,7 @@
         </p:blipFill>
         <p:spPr>
           <a:xfrm>
-            <a:off x="4883496" y="6395269"/>
+            <a:off x="8133974" y="6255012"/>
             <a:ext cx="142857" cy="133333"/>
           </a:xfrm>
           <a:prstGeom prst="rect">
@@ -4370,7 +4308,7 @@
         </p:nvSpPr>
         <p:spPr>
           <a:xfrm>
-            <a:off x="3741929" y="6212640"/>
+            <a:off x="6992407" y="6072383"/>
             <a:ext cx="1162995" cy="400110"/>
           </a:xfrm>
           <a:prstGeom prst="rect">
@@ -4419,10 +4357,10 @@
       </p:sp>
       <p:sp>
         <p:nvSpPr>
-          <p:cNvPr id="35" name="Rechteck 34">
-            <a:extLst>
-              <a:ext uri="{FF2B5EF4-FFF2-40B4-BE49-F238E27FC236}">
-                <a16:creationId xmlns:a16="http://schemas.microsoft.com/office/drawing/2014/main" id="{DAF4AABB-99C8-0A02-BA39-A050B5A441A6}"/>
+          <p:cNvPr id="38" name="Rechteck 37">
+            <a:extLst>
+              <a:ext uri="{FF2B5EF4-FFF2-40B4-BE49-F238E27FC236}">
+                <a16:creationId xmlns:a16="http://schemas.microsoft.com/office/drawing/2014/main" id="{B255182E-C780-C581-D00D-8E1318B7212F}"/>
               </a:ext>
             </a:extLst>
           </p:cNvPr>
@@ -4431,8 +4369,400 @@
         </p:nvSpPr>
         <p:spPr>
           <a:xfrm>
-            <a:off x="6105538" y="2448438"/>
-            <a:ext cx="2091919" cy="170067"/>
+            <a:off x="9867108" y="6155530"/>
+            <a:ext cx="992570" cy="292247"/>
+          </a:xfrm>
+          <a:prstGeom prst="rect">
+            <a:avLst/>
+          </a:prstGeom>
+          <a:noFill/>
+          <a:ln>
+            <a:solidFill>
+              <a:schemeClr val="tx1"/>
+            </a:solidFill>
+          </a:ln>
+        </p:spPr>
+        <p:style>
+          <a:lnRef idx="2">
+            <a:schemeClr val="accent1">
+              <a:shade val="50000"/>
+            </a:schemeClr>
+          </a:lnRef>
+          <a:fillRef idx="1">
+            <a:schemeClr val="accent1"/>
+          </a:fillRef>
+          <a:effectRef idx="0">
+            <a:schemeClr val="accent1"/>
+          </a:effectRef>
+          <a:fontRef idx="minor">
+            <a:schemeClr val="lt1"/>
+          </a:fontRef>
+        </p:style>
+        <p:txBody>
+          <a:bodyPr rtlCol="0" anchor="ctr"/>
+          <a:lstStyle/>
+          <a:p>
+            <a:pPr algn="ctr"/>
+            <a:r>
+              <a:rPr lang="de-CH" sz="1200" dirty="0">
+                <a:solidFill>
+                  <a:schemeClr val="tx1"/>
+                </a:solidFill>
+                <a:latin typeface="Arial" panose="020B0604020202020204" pitchFamily="34" charset="0"/>
+                <a:cs typeface="Arial" panose="020B0604020202020204" pitchFamily="34" charset="0"/>
+              </a:rPr>
+              <a:t>Speichern</a:t>
+            </a:r>
+          </a:p>
+        </p:txBody>
+      </p:sp>
+      <p:sp>
+        <p:nvSpPr>
+          <p:cNvPr id="39" name="Rechteck 38">
+            <a:extLst>
+              <a:ext uri="{FF2B5EF4-FFF2-40B4-BE49-F238E27FC236}">
+                <a16:creationId xmlns:a16="http://schemas.microsoft.com/office/drawing/2014/main" id="{7B13B03D-2E9E-EF25-8CC2-14E802423640}"/>
+              </a:ext>
+            </a:extLst>
+          </p:cNvPr>
+          <p:cNvSpPr/>
+          <p:nvPr/>
+        </p:nvSpPr>
+        <p:spPr>
+          <a:xfrm>
+            <a:off x="8705180" y="6155114"/>
+            <a:ext cx="892031" cy="292247"/>
+          </a:xfrm>
+          <a:prstGeom prst="rect">
+            <a:avLst/>
+          </a:prstGeom>
+          <a:noFill/>
+          <a:ln>
+            <a:solidFill>
+              <a:schemeClr val="tx1"/>
+            </a:solidFill>
+          </a:ln>
+        </p:spPr>
+        <p:style>
+          <a:lnRef idx="2">
+            <a:schemeClr val="accent1">
+              <a:shade val="50000"/>
+            </a:schemeClr>
+          </a:lnRef>
+          <a:fillRef idx="1">
+            <a:schemeClr val="accent1"/>
+          </a:fillRef>
+          <a:effectRef idx="0">
+            <a:schemeClr val="accent1"/>
+          </a:effectRef>
+          <a:fontRef idx="minor">
+            <a:schemeClr val="lt1"/>
+          </a:fontRef>
+        </p:style>
+        <p:txBody>
+          <a:bodyPr rtlCol="0" anchor="ctr"/>
+          <a:lstStyle/>
+          <a:p>
+            <a:pPr algn="ctr"/>
+            <a:r>
+              <a:rPr lang="de-CH" sz="1200" dirty="0">
+                <a:solidFill>
+                  <a:schemeClr val="tx1"/>
+                </a:solidFill>
+                <a:latin typeface="Arial" panose="020B0604020202020204" pitchFamily="34" charset="0"/>
+                <a:cs typeface="Arial" panose="020B0604020202020204" pitchFamily="34" charset="0"/>
+              </a:rPr>
+              <a:t>Löschen</a:t>
+            </a:r>
+          </a:p>
+        </p:txBody>
+      </p:sp>
+      <p:sp>
+        <p:nvSpPr>
+          <p:cNvPr id="46" name="Textfeld 45">
+            <a:extLst>
+              <a:ext uri="{FF2B5EF4-FFF2-40B4-BE49-F238E27FC236}">
+                <a16:creationId xmlns:a16="http://schemas.microsoft.com/office/drawing/2014/main" id="{E7EA8151-D18D-A827-4A9E-EC062B6D5A72}"/>
+              </a:ext>
+            </a:extLst>
+          </p:cNvPr>
+          <p:cNvSpPr txBox="1"/>
+          <p:nvPr/>
+        </p:nvSpPr>
+        <p:spPr>
+          <a:xfrm>
+            <a:off x="6977539" y="1780988"/>
+            <a:ext cx="1619029" cy="276999"/>
+          </a:xfrm>
+          <a:prstGeom prst="rect">
+            <a:avLst/>
+          </a:prstGeom>
+          <a:noFill/>
+        </p:spPr>
+        <p:txBody>
+          <a:bodyPr wrap="square" rtlCol="0">
+            <a:spAutoFit/>
+          </a:bodyPr>
+          <a:lstStyle/>
+          <a:p>
+            <a:r>
+              <a:rPr lang="de-CH" sz="1200" dirty="0">
+                <a:latin typeface="Arial" panose="020B0604020202020204" pitchFamily="34" charset="0"/>
+                <a:cs typeface="Arial" panose="020B0604020202020204" pitchFamily="34" charset="0"/>
+              </a:rPr>
+              <a:t>Band</a:t>
+            </a:r>
+          </a:p>
+        </p:txBody>
+      </p:sp>
+      <p:sp>
+        <p:nvSpPr>
+          <p:cNvPr id="47" name="Rechteck 46">
+            <a:extLst>
+              <a:ext uri="{FF2B5EF4-FFF2-40B4-BE49-F238E27FC236}">
+                <a16:creationId xmlns:a16="http://schemas.microsoft.com/office/drawing/2014/main" id="{51E70093-365D-DAFE-51C3-04D4B844E20D}"/>
+              </a:ext>
+            </a:extLst>
+          </p:cNvPr>
+          <p:cNvSpPr/>
+          <p:nvPr/>
+        </p:nvSpPr>
+        <p:spPr>
+          <a:xfrm>
+            <a:off x="7013095" y="2037656"/>
+            <a:ext cx="4500808" cy="174880"/>
+          </a:xfrm>
+          <a:prstGeom prst="rect">
+            <a:avLst/>
+          </a:prstGeom>
+          <a:solidFill>
+            <a:schemeClr val="bg1"/>
+          </a:solidFill>
+          <a:ln>
+            <a:solidFill>
+              <a:schemeClr val="tx1"/>
+            </a:solidFill>
+          </a:ln>
+        </p:spPr>
+        <p:style>
+          <a:lnRef idx="2">
+            <a:schemeClr val="accent1">
+              <a:shade val="50000"/>
+            </a:schemeClr>
+          </a:lnRef>
+          <a:fillRef idx="1">
+            <a:schemeClr val="accent1"/>
+          </a:fillRef>
+          <a:effectRef idx="0">
+            <a:schemeClr val="accent1"/>
+          </a:effectRef>
+          <a:fontRef idx="minor">
+            <a:schemeClr val="lt1"/>
+          </a:fontRef>
+        </p:style>
+        <p:txBody>
+          <a:bodyPr rtlCol="0" anchor="ctr"/>
+          <a:lstStyle/>
+          <a:p>
+            <a:r>
+              <a:rPr lang="de-CH" sz="800" i="1" dirty="0">
+                <a:solidFill>
+                  <a:schemeClr val="tx1"/>
+                </a:solidFill>
+                <a:latin typeface="Arial" panose="020B0604020202020204" pitchFamily="34" charset="0"/>
+                <a:cs typeface="Arial" panose="020B0604020202020204" pitchFamily="34" charset="0"/>
+              </a:rPr>
+              <a:t>&lt;</a:t>
+            </a:r>
+            <a:r>
+              <a:rPr lang="de-CH" sz="800" i="1" dirty="0" err="1">
+                <a:solidFill>
+                  <a:schemeClr val="tx1"/>
+                </a:solidFill>
+                <a:latin typeface="Arial" panose="020B0604020202020204" pitchFamily="34" charset="0"/>
+                <a:cs typeface="Arial" panose="020B0604020202020204" pitchFamily="34" charset="0"/>
+              </a:rPr>
+              <a:t>JazzGuestBand</a:t>
+            </a:r>
+            <a:r>
+              <a:rPr lang="de-CH" sz="800" i="1" dirty="0">
+                <a:solidFill>
+                  <a:schemeClr val="tx1"/>
+                </a:solidFill>
+                <a:latin typeface="Arial" panose="020B0604020202020204" pitchFamily="34" charset="0"/>
+                <a:cs typeface="Arial" panose="020B0604020202020204" pitchFamily="34" charset="0"/>
+              </a:rPr>
+              <a:t>&gt;</a:t>
+            </a:r>
+          </a:p>
+        </p:txBody>
+      </p:sp>
+      <p:sp>
+        <p:nvSpPr>
+          <p:cNvPr id="48" name="Textfeld 47">
+            <a:extLst>
+              <a:ext uri="{FF2B5EF4-FFF2-40B4-BE49-F238E27FC236}">
+                <a16:creationId xmlns:a16="http://schemas.microsoft.com/office/drawing/2014/main" id="{73B94933-0CCF-FFBA-9E93-7EBDE129B8E9}"/>
+              </a:ext>
+            </a:extLst>
+          </p:cNvPr>
+          <p:cNvSpPr txBox="1"/>
+          <p:nvPr/>
+        </p:nvSpPr>
+        <p:spPr>
+          <a:xfrm>
+            <a:off x="6985358" y="2211647"/>
+            <a:ext cx="1619029" cy="276999"/>
+          </a:xfrm>
+          <a:prstGeom prst="rect">
+            <a:avLst/>
+          </a:prstGeom>
+          <a:noFill/>
+        </p:spPr>
+        <p:txBody>
+          <a:bodyPr wrap="square" rtlCol="0">
+            <a:spAutoFit/>
+          </a:bodyPr>
+          <a:lstStyle/>
+          <a:p>
+            <a:r>
+              <a:rPr lang="de-CH" sz="1200" dirty="0">
+                <a:latin typeface="Arial" panose="020B0604020202020204" pitchFamily="34" charset="0"/>
+                <a:cs typeface="Arial" panose="020B0604020202020204" pitchFamily="34" charset="0"/>
+              </a:rPr>
+              <a:t>Bandmitglieder</a:t>
+            </a:r>
+          </a:p>
+        </p:txBody>
+      </p:sp>
+      <p:sp>
+        <p:nvSpPr>
+          <p:cNvPr id="49" name="Rechteck 48">
+            <a:extLst>
+              <a:ext uri="{FF2B5EF4-FFF2-40B4-BE49-F238E27FC236}">
+                <a16:creationId xmlns:a16="http://schemas.microsoft.com/office/drawing/2014/main" id="{1E868CD7-B9BC-B3C5-607D-BF70CC14D102}"/>
+              </a:ext>
+            </a:extLst>
+          </p:cNvPr>
+          <p:cNvSpPr/>
+          <p:nvPr/>
+        </p:nvSpPr>
+        <p:spPr>
+          <a:xfrm>
+            <a:off x="7020914" y="2468315"/>
+            <a:ext cx="4500808" cy="174880"/>
+          </a:xfrm>
+          <a:prstGeom prst="rect">
+            <a:avLst/>
+          </a:prstGeom>
+          <a:solidFill>
+            <a:schemeClr val="bg1"/>
+          </a:solidFill>
+          <a:ln>
+            <a:solidFill>
+              <a:schemeClr val="tx1"/>
+            </a:solidFill>
+          </a:ln>
+        </p:spPr>
+        <p:style>
+          <a:lnRef idx="2">
+            <a:schemeClr val="accent1">
+              <a:shade val="50000"/>
+            </a:schemeClr>
+          </a:lnRef>
+          <a:fillRef idx="1">
+            <a:schemeClr val="accent1"/>
+          </a:fillRef>
+          <a:effectRef idx="0">
+            <a:schemeClr val="accent1"/>
+          </a:effectRef>
+          <a:fontRef idx="minor">
+            <a:schemeClr val="lt1"/>
+          </a:fontRef>
+        </p:style>
+        <p:txBody>
+          <a:bodyPr rtlCol="0" anchor="ctr"/>
+          <a:lstStyle/>
+          <a:p>
+            <a:r>
+              <a:rPr lang="de-CH" sz="800" i="1" dirty="0">
+                <a:solidFill>
+                  <a:schemeClr val="tx1"/>
+                </a:solidFill>
+                <a:latin typeface="Arial" panose="020B0604020202020204" pitchFamily="34" charset="0"/>
+                <a:cs typeface="Arial" panose="020B0604020202020204" pitchFamily="34" charset="0"/>
+              </a:rPr>
+              <a:t>&lt;</a:t>
+            </a:r>
+            <a:r>
+              <a:rPr lang="de-CH" sz="800" i="1" dirty="0" err="1">
+                <a:solidFill>
+                  <a:schemeClr val="tx1"/>
+                </a:solidFill>
+                <a:latin typeface="Arial" panose="020B0604020202020204" pitchFamily="34" charset="0"/>
+                <a:cs typeface="Arial" panose="020B0604020202020204" pitchFamily="34" charset="0"/>
+              </a:rPr>
+              <a:t>JazzGuestMusicians</a:t>
+            </a:r>
+            <a:r>
+              <a:rPr lang="de-CH" sz="800" i="1" dirty="0">
+                <a:solidFill>
+                  <a:schemeClr val="tx1"/>
+                </a:solidFill>
+                <a:latin typeface="Arial" panose="020B0604020202020204" pitchFamily="34" charset="0"/>
+                <a:cs typeface="Arial" panose="020B0604020202020204" pitchFamily="34" charset="0"/>
+              </a:rPr>
+              <a:t>&gt;</a:t>
+            </a:r>
+          </a:p>
+        </p:txBody>
+      </p:sp>
+      <p:pic>
+        <p:nvPicPr>
+          <p:cNvPr id="12" name="Grafik 11">
+            <a:extLst>
+              <a:ext uri="{FF2B5EF4-FFF2-40B4-BE49-F238E27FC236}">
+                <a16:creationId xmlns:a16="http://schemas.microsoft.com/office/drawing/2014/main" id="{329FF37C-EF10-9C7E-BE67-6003EF2DB8CD}"/>
+              </a:ext>
+            </a:extLst>
+          </p:cNvPr>
+          <p:cNvPicPr>
+            <a:picLocks noChangeAspect="1"/>
+          </p:cNvPicPr>
+          <p:nvPr/>
+        </p:nvPicPr>
+        <p:blipFill>
+          <a:blip r:embed="rId8"/>
+          <a:stretch>
+            <a:fillRect/>
+          </a:stretch>
+        </p:blipFill>
+        <p:spPr>
+          <a:xfrm>
+            <a:off x="3532981" y="1633199"/>
+            <a:ext cx="2085416" cy="1837500"/>
+          </a:xfrm>
+          <a:prstGeom prst="rect">
+            <a:avLst/>
+          </a:prstGeom>
+        </p:spPr>
+      </p:pic>
+      <p:sp>
+        <p:nvSpPr>
+          <p:cNvPr id="13" name="Rechteck 12">
+            <a:extLst>
+              <a:ext uri="{FF2B5EF4-FFF2-40B4-BE49-F238E27FC236}">
+                <a16:creationId xmlns:a16="http://schemas.microsoft.com/office/drawing/2014/main" id="{EA951098-4E9A-063B-0EEB-53788120CADB}"/>
+              </a:ext>
+            </a:extLst>
+          </p:cNvPr>
+          <p:cNvSpPr/>
+          <p:nvPr/>
+        </p:nvSpPr>
+        <p:spPr>
+          <a:xfrm>
+            <a:off x="6954980" y="4887913"/>
+            <a:ext cx="4500808" cy="220350"/>
           </a:xfrm>
           <a:prstGeom prst="rect">
             <a:avLst/>
@@ -4499,10 +4829,10 @@
       </p:sp>
       <p:sp>
         <p:nvSpPr>
-          <p:cNvPr id="36" name="Textfeld 35">
-            <a:extLst>
-              <a:ext uri="{FF2B5EF4-FFF2-40B4-BE49-F238E27FC236}">
-                <a16:creationId xmlns:a16="http://schemas.microsoft.com/office/drawing/2014/main" id="{9EFF948D-0E2A-5BE8-8EF6-638548820158}"/>
+          <p:cNvPr id="26" name="Textfeld 25">
+            <a:extLst>
+              <a:ext uri="{FF2B5EF4-FFF2-40B4-BE49-F238E27FC236}">
+                <a16:creationId xmlns:a16="http://schemas.microsoft.com/office/drawing/2014/main" id="{BEA51CDB-7332-3F4B-C167-2C0337410E36}"/>
               </a:ext>
             </a:extLst>
           </p:cNvPr>
@@ -4511,7 +4841,7 @@
         </p:nvSpPr>
         <p:spPr>
           <a:xfrm>
-            <a:off x="6058010" y="2209160"/>
+            <a:off x="6907452" y="4648635"/>
             <a:ext cx="664920" cy="276999"/>
           </a:xfrm>
           <a:prstGeom prst="rect">
@@ -4537,77 +4867,10 @@
       </p:sp>
       <p:sp>
         <p:nvSpPr>
-          <p:cNvPr id="37" name="Textfeld 36">
-            <a:extLst>
-              <a:ext uri="{FF2B5EF4-FFF2-40B4-BE49-F238E27FC236}">
-                <a16:creationId xmlns:a16="http://schemas.microsoft.com/office/drawing/2014/main" id="{2ED15C12-AFDD-8F28-0B61-4636D8A38D8B}"/>
-              </a:ext>
-            </a:extLst>
-          </p:cNvPr>
-          <p:cNvSpPr txBox="1"/>
-          <p:nvPr/>
-        </p:nvSpPr>
-        <p:spPr>
-          <a:xfrm>
-            <a:off x="6999290" y="1174367"/>
-            <a:ext cx="1362165" cy="430887"/>
-          </a:xfrm>
-          <a:prstGeom prst="rect">
-            <a:avLst/>
-          </a:prstGeom>
-          <a:noFill/>
-        </p:spPr>
-        <p:txBody>
-          <a:bodyPr wrap="square" rtlCol="0">
-            <a:spAutoFit/>
-          </a:bodyPr>
-          <a:lstStyle/>
-          <a:p>
-            <a:r>
-              <a:rPr lang="de-CH" sz="1200" dirty="0">
-                <a:latin typeface="Arial" panose="020B0604020202020204" pitchFamily="34" charset="0"/>
-                <a:cs typeface="Arial" panose="020B0604020202020204" pitchFamily="34" charset="0"/>
-              </a:rPr>
-              <a:t>Nummer</a:t>
-            </a:r>
-          </a:p>
-          <a:p>
-            <a:endParaRPr lang="de-CH" sz="200" dirty="0">
-              <a:latin typeface="Arial" panose="020B0604020202020204" pitchFamily="34" charset="0"/>
-              <a:cs typeface="Arial" panose="020B0604020202020204" pitchFamily="34" charset="0"/>
-            </a:endParaRPr>
-          </a:p>
-          <a:p>
-            <a:r>
-              <a:rPr lang="de-CH" sz="800" dirty="0">
-                <a:latin typeface="Arial" panose="020B0604020202020204" pitchFamily="34" charset="0"/>
-                <a:cs typeface="Arial" panose="020B0604020202020204" pitchFamily="34" charset="0"/>
-              </a:rPr>
-              <a:t>&lt;</a:t>
-            </a:r>
-            <a:r>
-              <a:rPr lang="de-CH" sz="800" dirty="0" err="1">
-                <a:latin typeface="Arial" panose="020B0604020202020204" pitchFamily="34" charset="0"/>
-                <a:cs typeface="Arial" panose="020B0604020202020204" pitchFamily="34" charset="0"/>
-              </a:rPr>
-              <a:t>JazzGuestRegNumber</a:t>
-            </a:r>
-            <a:r>
-              <a:rPr lang="de-CH" sz="800" dirty="0">
-                <a:latin typeface="Arial" panose="020B0604020202020204" pitchFamily="34" charset="0"/>
-                <a:cs typeface="Arial" panose="020B0604020202020204" pitchFamily="34" charset="0"/>
-              </a:rPr>
-              <a:t>&gt;</a:t>
-            </a:r>
-          </a:p>
-        </p:txBody>
-      </p:sp>
-      <p:sp>
-        <p:nvSpPr>
-          <p:cNvPr id="38" name="Rechteck 37">
-            <a:extLst>
-              <a:ext uri="{FF2B5EF4-FFF2-40B4-BE49-F238E27FC236}">
-                <a16:creationId xmlns:a16="http://schemas.microsoft.com/office/drawing/2014/main" id="{B255182E-C780-C581-D00D-8E1318B7212F}"/>
+          <p:cNvPr id="29" name="Rechteck 28">
+            <a:extLst>
+              <a:ext uri="{FF2B5EF4-FFF2-40B4-BE49-F238E27FC236}">
+                <a16:creationId xmlns:a16="http://schemas.microsoft.com/office/drawing/2014/main" id="{D8AF811E-EA74-9805-D5A7-2A41A1BE6AE0}"/>
               </a:ext>
             </a:extLst>
           </p:cNvPr>
@@ -4616,129 +4879,7 @@
         </p:nvSpPr>
         <p:spPr>
           <a:xfrm>
-            <a:off x="6616630" y="6295787"/>
-            <a:ext cx="1620122" cy="292247"/>
-          </a:xfrm>
-          <a:prstGeom prst="rect">
-            <a:avLst/>
-          </a:prstGeom>
-          <a:noFill/>
-          <a:ln>
-            <a:solidFill>
-              <a:schemeClr val="tx1"/>
-            </a:solidFill>
-          </a:ln>
-        </p:spPr>
-        <p:style>
-          <a:lnRef idx="2">
-            <a:schemeClr val="accent1">
-              <a:shade val="50000"/>
-            </a:schemeClr>
-          </a:lnRef>
-          <a:fillRef idx="1">
-            <a:schemeClr val="accent1"/>
-          </a:fillRef>
-          <a:effectRef idx="0">
-            <a:schemeClr val="accent1"/>
-          </a:effectRef>
-          <a:fontRef idx="minor">
-            <a:schemeClr val="lt1"/>
-          </a:fontRef>
-        </p:style>
-        <p:txBody>
-          <a:bodyPr rtlCol="0" anchor="ctr"/>
-          <a:lstStyle/>
-          <a:p>
-            <a:pPr algn="ctr"/>
-            <a:r>
-              <a:rPr lang="de-CH" sz="1200" dirty="0">
-                <a:solidFill>
-                  <a:schemeClr val="tx1"/>
-                </a:solidFill>
-                <a:latin typeface="Arial" panose="020B0604020202020204" pitchFamily="34" charset="0"/>
-                <a:cs typeface="Arial" panose="020B0604020202020204" pitchFamily="34" charset="0"/>
-              </a:rPr>
-              <a:t>Speichern</a:t>
-            </a:r>
-          </a:p>
-        </p:txBody>
-      </p:sp>
-      <p:sp>
-        <p:nvSpPr>
-          <p:cNvPr id="39" name="Rechteck 38">
-            <a:extLst>
-              <a:ext uri="{FF2B5EF4-FFF2-40B4-BE49-F238E27FC236}">
-                <a16:creationId xmlns:a16="http://schemas.microsoft.com/office/drawing/2014/main" id="{7B13B03D-2E9E-EF25-8CC2-14E802423640}"/>
-              </a:ext>
-            </a:extLst>
-          </p:cNvPr>
-          <p:cNvSpPr/>
-          <p:nvPr/>
-        </p:nvSpPr>
-        <p:spPr>
-          <a:xfrm>
-            <a:off x="5454702" y="6295371"/>
-            <a:ext cx="892031" cy="292247"/>
-          </a:xfrm>
-          <a:prstGeom prst="rect">
-            <a:avLst/>
-          </a:prstGeom>
-          <a:noFill/>
-          <a:ln>
-            <a:solidFill>
-              <a:schemeClr val="tx1"/>
-            </a:solidFill>
-          </a:ln>
-        </p:spPr>
-        <p:style>
-          <a:lnRef idx="2">
-            <a:schemeClr val="accent1">
-              <a:shade val="50000"/>
-            </a:schemeClr>
-          </a:lnRef>
-          <a:fillRef idx="1">
-            <a:schemeClr val="accent1"/>
-          </a:fillRef>
-          <a:effectRef idx="0">
-            <a:schemeClr val="accent1"/>
-          </a:effectRef>
-          <a:fontRef idx="minor">
-            <a:schemeClr val="lt1"/>
-          </a:fontRef>
-        </p:style>
-        <p:txBody>
-          <a:bodyPr rtlCol="0" anchor="ctr"/>
-          <a:lstStyle/>
-          <a:p>
-            <a:pPr algn="ctr"/>
-            <a:r>
-              <a:rPr lang="de-CH" sz="1200" dirty="0">
-                <a:solidFill>
-                  <a:schemeClr val="tx1"/>
-                </a:solidFill>
-                <a:latin typeface="Arial" panose="020B0604020202020204" pitchFamily="34" charset="0"/>
-                <a:cs typeface="Arial" panose="020B0604020202020204" pitchFamily="34" charset="0"/>
-              </a:rPr>
-              <a:t>Löschen</a:t>
-            </a:r>
-          </a:p>
-        </p:txBody>
-      </p:sp>
-      <p:sp>
-        <p:nvSpPr>
-          <p:cNvPr id="40" name="Rechteck 39">
-            <a:extLst>
-              <a:ext uri="{FF2B5EF4-FFF2-40B4-BE49-F238E27FC236}">
-                <a16:creationId xmlns:a16="http://schemas.microsoft.com/office/drawing/2014/main" id="{05E7444A-B1EC-6427-D636-ECF00D543490}"/>
-              </a:ext>
-            </a:extLst>
-          </p:cNvPr>
-          <p:cNvSpPr/>
-          <p:nvPr/>
-        </p:nvSpPr>
-        <p:spPr>
-          <a:xfrm>
-            <a:off x="6072878" y="2667236"/>
+            <a:off x="1210170" y="3634559"/>
             <a:ext cx="2234253" cy="186462"/>
           </a:xfrm>
           <a:prstGeom prst="rect">
@@ -4786,10 +4927,10 @@
       </p:sp>
       <p:pic>
         <p:nvPicPr>
-          <p:cNvPr id="41" name="Grafik 40">
-            <a:extLst>
-              <a:ext uri="{FF2B5EF4-FFF2-40B4-BE49-F238E27FC236}">
-                <a16:creationId xmlns:a16="http://schemas.microsoft.com/office/drawing/2014/main" id="{77A00C70-0A01-05B4-6966-0A2B7C58DC42}"/>
+          <p:cNvPr id="44" name="Grafik 43">
+            <a:extLst>
+              <a:ext uri="{FF2B5EF4-FFF2-40B4-BE49-F238E27FC236}">
+                <a16:creationId xmlns:a16="http://schemas.microsoft.com/office/drawing/2014/main" id="{446B5F2A-4F63-6432-E54E-1ACBCED37B4E}"/>
               </a:ext>
             </a:extLst>
           </p:cNvPr>
@@ -4806,7 +4947,7 @@
         </p:blipFill>
         <p:spPr>
           <a:xfrm>
-            <a:off x="7920514" y="2698041"/>
+            <a:off x="3075250" y="3609973"/>
             <a:ext cx="321154" cy="157428"/>
           </a:xfrm>
           <a:prstGeom prst="rect">
@@ -4816,10 +4957,10 @@
       </p:pic>
       <p:sp>
         <p:nvSpPr>
-          <p:cNvPr id="42" name="Textfeld 41">
-            <a:extLst>
-              <a:ext uri="{FF2B5EF4-FFF2-40B4-BE49-F238E27FC236}">
-                <a16:creationId xmlns:a16="http://schemas.microsoft.com/office/drawing/2014/main" id="{A6055814-9477-7DF1-99CA-B81014DFFD00}"/>
+          <p:cNvPr id="45" name="Textfeld 44">
+            <a:extLst>
+              <a:ext uri="{FF2B5EF4-FFF2-40B4-BE49-F238E27FC236}">
+                <a16:creationId xmlns:a16="http://schemas.microsoft.com/office/drawing/2014/main" id="{60804B72-95B8-7218-743A-7ACDB43B7090}"/>
               </a:ext>
             </a:extLst>
           </p:cNvPr>
@@ -4828,7 +4969,7 @@
         </p:nvSpPr>
         <p:spPr>
           <a:xfrm>
-            <a:off x="5967691" y="2820284"/>
+            <a:off x="4129467" y="3425422"/>
             <a:ext cx="1619029" cy="276999"/>
           </a:xfrm>
           <a:prstGeom prst="rect">
@@ -4854,10 +4995,10 @@
       </p:sp>
       <p:sp>
         <p:nvSpPr>
-          <p:cNvPr id="43" name="Rechteck 42">
-            <a:extLst>
-              <a:ext uri="{FF2B5EF4-FFF2-40B4-BE49-F238E27FC236}">
-                <a16:creationId xmlns:a16="http://schemas.microsoft.com/office/drawing/2014/main" id="{DAD07F7D-E641-F7BE-3375-6571A5972492}"/>
+          <p:cNvPr id="50" name="Rechteck 49">
+            <a:extLst>
+              <a:ext uri="{FF2B5EF4-FFF2-40B4-BE49-F238E27FC236}">
+                <a16:creationId xmlns:a16="http://schemas.microsoft.com/office/drawing/2014/main" id="{3C941151-3CE6-69C6-F51A-3C9C21776030}"/>
               </a:ext>
             </a:extLst>
           </p:cNvPr>
@@ -4866,8 +5007,8 @@
         </p:nvSpPr>
         <p:spPr>
           <a:xfrm>
-            <a:off x="6027926" y="3037875"/>
-            <a:ext cx="2243014" cy="231722"/>
+            <a:off x="4189702" y="3643013"/>
+            <a:ext cx="1162079" cy="231722"/>
           </a:xfrm>
           <a:prstGeom prst="rect">
             <a:avLst/>
@@ -4929,287 +5070,7 @@
                 <a:latin typeface="Arial" panose="020B0604020202020204" pitchFamily="34" charset="0"/>
                 <a:cs typeface="Arial" panose="020B0604020202020204" pitchFamily="34" charset="0"/>
               </a:rPr>
-              <a:t>&gt; &lt;</a:t>
-            </a:r>
-            <a:r>
-              <a:rPr lang="de-CH" sz="600" i="1" dirty="0" err="1">
-                <a:solidFill>
-                  <a:schemeClr val="tx1"/>
-                </a:solidFill>
-                <a:latin typeface="Arial" panose="020B0604020202020204" pitchFamily="34" charset="0"/>
-                <a:cs typeface="Arial" panose="020B0604020202020204" pitchFamily="34" charset="0"/>
-              </a:rPr>
-              <a:t>JazzGuestMonth</a:t>
-            </a:r>
-            <a:r>
-              <a:rPr lang="de-CH" sz="600" i="1" dirty="0">
-                <a:solidFill>
-                  <a:schemeClr val="tx1"/>
-                </a:solidFill>
-                <a:latin typeface="Arial" panose="020B0604020202020204" pitchFamily="34" charset="0"/>
-                <a:cs typeface="Arial" panose="020B0604020202020204" pitchFamily="34" charset="0"/>
-              </a:rPr>
-              <a:t>&gt; &lt;</a:t>
-            </a:r>
-            <a:r>
-              <a:rPr lang="de-CH" sz="600" i="1" dirty="0" err="1">
-                <a:solidFill>
-                  <a:schemeClr val="tx1"/>
-                </a:solidFill>
-                <a:latin typeface="Arial" panose="020B0604020202020204" pitchFamily="34" charset="0"/>
-                <a:cs typeface="Arial" panose="020B0604020202020204" pitchFamily="34" charset="0"/>
-              </a:rPr>
-              <a:t>JazzGuestDay</a:t>
-            </a:r>
-            <a:r>
-              <a:rPr lang="de-CH" sz="600" i="1" dirty="0">
-                <a:solidFill>
-                  <a:schemeClr val="tx1"/>
-                </a:solidFill>
-                <a:latin typeface="Arial" panose="020B0604020202020204" pitchFamily="34" charset="0"/>
-                <a:cs typeface="Arial" panose="020B0604020202020204" pitchFamily="34" charset="0"/>
-              </a:rPr>
-              <a:t>&gt;</a:t>
-            </a:r>
-          </a:p>
-        </p:txBody>
-      </p:sp>
-      <p:sp>
-        <p:nvSpPr>
-          <p:cNvPr id="46" name="Textfeld 45">
-            <a:extLst>
-              <a:ext uri="{FF2B5EF4-FFF2-40B4-BE49-F238E27FC236}">
-                <a16:creationId xmlns:a16="http://schemas.microsoft.com/office/drawing/2014/main" id="{E7EA8151-D18D-A827-4A9E-EC062B6D5A72}"/>
-              </a:ext>
-            </a:extLst>
-          </p:cNvPr>
-          <p:cNvSpPr txBox="1"/>
-          <p:nvPr/>
-        </p:nvSpPr>
-        <p:spPr>
-          <a:xfrm>
-            <a:off x="3727061" y="3297558"/>
-            <a:ext cx="1619029" cy="276999"/>
-          </a:xfrm>
-          <a:prstGeom prst="rect">
-            <a:avLst/>
-          </a:prstGeom>
-          <a:noFill/>
-        </p:spPr>
-        <p:txBody>
-          <a:bodyPr wrap="square" rtlCol="0">
-            <a:spAutoFit/>
-          </a:bodyPr>
-          <a:lstStyle/>
-          <a:p>
-            <a:r>
-              <a:rPr lang="de-CH" sz="1200" dirty="0">
-                <a:latin typeface="Arial" panose="020B0604020202020204" pitchFamily="34" charset="0"/>
-                <a:cs typeface="Arial" panose="020B0604020202020204" pitchFamily="34" charset="0"/>
-              </a:rPr>
-              <a:t>Band</a:t>
-            </a:r>
-          </a:p>
-        </p:txBody>
-      </p:sp>
-      <p:sp>
-        <p:nvSpPr>
-          <p:cNvPr id="47" name="Rechteck 46">
-            <a:extLst>
-              <a:ext uri="{FF2B5EF4-FFF2-40B4-BE49-F238E27FC236}">
-                <a16:creationId xmlns:a16="http://schemas.microsoft.com/office/drawing/2014/main" id="{51E70093-365D-DAFE-51C3-04D4B844E20D}"/>
-              </a:ext>
-            </a:extLst>
-          </p:cNvPr>
-          <p:cNvSpPr/>
-          <p:nvPr/>
-        </p:nvSpPr>
-        <p:spPr>
-          <a:xfrm>
-            <a:off x="3762617" y="3554226"/>
-            <a:ext cx="4500808" cy="174880"/>
-          </a:xfrm>
-          <a:prstGeom prst="rect">
-            <a:avLst/>
-          </a:prstGeom>
-          <a:solidFill>
-            <a:schemeClr val="bg1"/>
-          </a:solidFill>
-          <a:ln>
-            <a:solidFill>
-              <a:schemeClr val="tx1"/>
-            </a:solidFill>
-          </a:ln>
-        </p:spPr>
-        <p:style>
-          <a:lnRef idx="2">
-            <a:schemeClr val="accent1">
-              <a:shade val="50000"/>
-            </a:schemeClr>
-          </a:lnRef>
-          <a:fillRef idx="1">
-            <a:schemeClr val="accent1"/>
-          </a:fillRef>
-          <a:effectRef idx="0">
-            <a:schemeClr val="accent1"/>
-          </a:effectRef>
-          <a:fontRef idx="minor">
-            <a:schemeClr val="lt1"/>
-          </a:fontRef>
-        </p:style>
-        <p:txBody>
-          <a:bodyPr rtlCol="0" anchor="ctr"/>
-          <a:lstStyle/>
-          <a:p>
-            <a:r>
-              <a:rPr lang="de-CH" sz="800" i="1" dirty="0">
-                <a:solidFill>
-                  <a:schemeClr val="tx1"/>
-                </a:solidFill>
-                <a:latin typeface="Arial" panose="020B0604020202020204" pitchFamily="34" charset="0"/>
-                <a:cs typeface="Arial" panose="020B0604020202020204" pitchFamily="34" charset="0"/>
-              </a:rPr>
-              <a:t>&lt;</a:t>
-            </a:r>
-            <a:r>
-              <a:rPr lang="de-CH" sz="800" i="1" dirty="0" err="1">
-                <a:solidFill>
-                  <a:schemeClr val="tx1"/>
-                </a:solidFill>
-                <a:latin typeface="Arial" panose="020B0604020202020204" pitchFamily="34" charset="0"/>
-                <a:cs typeface="Arial" panose="020B0604020202020204" pitchFamily="34" charset="0"/>
-              </a:rPr>
-              <a:t>JazzGuestBand</a:t>
-            </a:r>
-            <a:r>
-              <a:rPr lang="de-CH" sz="800" i="1" dirty="0">
-                <a:solidFill>
-                  <a:schemeClr val="tx1"/>
-                </a:solidFill>
-                <a:latin typeface="Arial" panose="020B0604020202020204" pitchFamily="34" charset="0"/>
-                <a:cs typeface="Arial" panose="020B0604020202020204" pitchFamily="34" charset="0"/>
-              </a:rPr>
-              <a:t>&gt;</a:t>
-            </a:r>
-          </a:p>
-        </p:txBody>
-      </p:sp>
-      <p:sp>
-        <p:nvSpPr>
-          <p:cNvPr id="48" name="Textfeld 47">
-            <a:extLst>
-              <a:ext uri="{FF2B5EF4-FFF2-40B4-BE49-F238E27FC236}">
-                <a16:creationId xmlns:a16="http://schemas.microsoft.com/office/drawing/2014/main" id="{73B94933-0CCF-FFBA-9E93-7EBDE129B8E9}"/>
-              </a:ext>
-            </a:extLst>
-          </p:cNvPr>
-          <p:cNvSpPr txBox="1"/>
-          <p:nvPr/>
-        </p:nvSpPr>
-        <p:spPr>
-          <a:xfrm>
-            <a:off x="3734880" y="3728217"/>
-            <a:ext cx="1619029" cy="276999"/>
-          </a:xfrm>
-          <a:prstGeom prst="rect">
-            <a:avLst/>
-          </a:prstGeom>
-          <a:noFill/>
-        </p:spPr>
-        <p:txBody>
-          <a:bodyPr wrap="square" rtlCol="0">
-            <a:spAutoFit/>
-          </a:bodyPr>
-          <a:lstStyle/>
-          <a:p>
-            <a:r>
-              <a:rPr lang="de-CH" sz="1200" dirty="0">
-                <a:latin typeface="Arial" panose="020B0604020202020204" pitchFamily="34" charset="0"/>
-                <a:cs typeface="Arial" panose="020B0604020202020204" pitchFamily="34" charset="0"/>
-              </a:rPr>
-              <a:t>Bandmitglieder</a:t>
-            </a:r>
-          </a:p>
-        </p:txBody>
-      </p:sp>
-      <p:sp>
-        <p:nvSpPr>
-          <p:cNvPr id="49" name="Rechteck 48">
-            <a:extLst>
-              <a:ext uri="{FF2B5EF4-FFF2-40B4-BE49-F238E27FC236}">
-                <a16:creationId xmlns:a16="http://schemas.microsoft.com/office/drawing/2014/main" id="{1E868CD7-B9BC-B3C5-607D-BF70CC14D102}"/>
-              </a:ext>
-            </a:extLst>
-          </p:cNvPr>
-          <p:cNvSpPr/>
-          <p:nvPr/>
-        </p:nvSpPr>
-        <p:spPr>
-          <a:xfrm>
-            <a:off x="3770436" y="3984885"/>
-            <a:ext cx="4500808" cy="174880"/>
-          </a:xfrm>
-          <a:prstGeom prst="rect">
-            <a:avLst/>
-          </a:prstGeom>
-          <a:solidFill>
-            <a:schemeClr val="bg1"/>
-          </a:solidFill>
-          <a:ln>
-            <a:solidFill>
-              <a:schemeClr val="tx1"/>
-            </a:solidFill>
-          </a:ln>
-        </p:spPr>
-        <p:style>
-          <a:lnRef idx="2">
-            <a:schemeClr val="accent1">
-              <a:shade val="50000"/>
-            </a:schemeClr>
-          </a:lnRef>
-          <a:fillRef idx="1">
-            <a:schemeClr val="accent1"/>
-          </a:fillRef>
-          <a:effectRef idx="0">
-            <a:schemeClr val="accent1"/>
-          </a:effectRef>
-          <a:fontRef idx="minor">
-            <a:schemeClr val="lt1"/>
-          </a:fontRef>
-        </p:style>
-        <p:txBody>
-          <a:bodyPr rtlCol="0" anchor="ctr"/>
-          <a:lstStyle/>
-          <a:p>
-            <a:r>
-              <a:rPr lang="de-CH" sz="800" i="1" dirty="0">
-                <a:solidFill>
-                  <a:schemeClr val="tx1"/>
-                </a:solidFill>
-                <a:latin typeface="Arial" panose="020B0604020202020204" pitchFamily="34" charset="0"/>
-                <a:cs typeface="Arial" panose="020B0604020202020204" pitchFamily="34" charset="0"/>
-              </a:rPr>
-              <a:t>&lt;</a:t>
-            </a:r>
-            <a:r>
-              <a:rPr lang="de-CH" sz="800" i="1" dirty="0" err="1">
-                <a:solidFill>
-                  <a:schemeClr val="tx1"/>
-                </a:solidFill>
-                <a:latin typeface="Arial" panose="020B0604020202020204" pitchFamily="34" charset="0"/>
-                <a:cs typeface="Arial" panose="020B0604020202020204" pitchFamily="34" charset="0"/>
-              </a:rPr>
-              <a:t>JazzGuestMusicians</a:t>
-            </a:r>
-            <a:r>
-              <a:rPr lang="de-CH" sz="800" i="1" dirty="0">
-                <a:solidFill>
-                  <a:schemeClr val="tx1"/>
-                </a:solidFill>
-                <a:latin typeface="Arial" panose="020B0604020202020204" pitchFamily="34" charset="0"/>
-                <a:cs typeface="Arial" panose="020B0604020202020204" pitchFamily="34" charset="0"/>
-              </a:rPr>
-              <a:t>&gt;</a:t>
+              <a:t>&gt; …</a:t>
             </a:r>
           </a:p>
         </p:txBody>
@@ -9852,6 +9713,195 @@
           <a:chExt cx="0" cy="0"/>
         </a:xfrm>
       </p:grpSpPr>
+      <p:sp>
+        <p:nvSpPr>
+          <p:cNvPr id="2" name="Rechteck 1">
+            <a:extLst>
+              <a:ext uri="{FF2B5EF4-FFF2-40B4-BE49-F238E27FC236}">
+                <a16:creationId xmlns:a16="http://schemas.microsoft.com/office/drawing/2014/main" id="{52595105-FEFA-4CD5-B185-8A4714FF18D1}"/>
+              </a:ext>
+            </a:extLst>
+          </p:cNvPr>
+          <p:cNvSpPr/>
+          <p:nvPr/>
+        </p:nvSpPr>
+        <p:spPr>
+          <a:xfrm>
+            <a:off x="9863400" y="2269796"/>
+            <a:ext cx="860597" cy="202374"/>
+          </a:xfrm>
+          <a:prstGeom prst="rect">
+            <a:avLst/>
+          </a:prstGeom>
+          <a:noFill/>
+          <a:ln>
+            <a:solidFill>
+              <a:schemeClr val="tx1"/>
+            </a:solidFill>
+          </a:ln>
+        </p:spPr>
+        <p:style>
+          <a:lnRef idx="2">
+            <a:schemeClr val="accent1">
+              <a:shade val="50000"/>
+            </a:schemeClr>
+          </a:lnRef>
+          <a:fillRef idx="1">
+            <a:schemeClr val="accent1"/>
+          </a:fillRef>
+          <a:effectRef idx="0">
+            <a:schemeClr val="accent1"/>
+          </a:effectRef>
+          <a:fontRef idx="minor">
+            <a:schemeClr val="lt1"/>
+          </a:fontRef>
+        </p:style>
+        <p:txBody>
+          <a:bodyPr rtlCol="0" anchor="ctr"/>
+          <a:lstStyle/>
+          <a:p>
+            <a:pPr algn="ctr"/>
+            <a:r>
+              <a:rPr lang="de-CH" sz="1200" dirty="0">
+                <a:solidFill>
+                  <a:schemeClr val="tx1"/>
+                </a:solidFill>
+                <a:latin typeface="Arial" panose="020B0604020202020204" pitchFamily="34" charset="0"/>
+                <a:cs typeface="Arial" panose="020B0604020202020204" pitchFamily="34" charset="0"/>
+              </a:rPr>
+              <a:t>Upload</a:t>
+            </a:r>
+          </a:p>
+        </p:txBody>
+      </p:sp>
+      <p:sp>
+        <p:nvSpPr>
+          <p:cNvPr id="3" name="Rechteck 2">
+            <a:extLst>
+              <a:ext uri="{FF2B5EF4-FFF2-40B4-BE49-F238E27FC236}">
+                <a16:creationId xmlns:a16="http://schemas.microsoft.com/office/drawing/2014/main" id="{DF884E46-6D7C-E024-E50C-4BA43D097645}"/>
+              </a:ext>
+            </a:extLst>
+          </p:cNvPr>
+          <p:cNvSpPr/>
+          <p:nvPr/>
+        </p:nvSpPr>
+        <p:spPr>
+          <a:xfrm>
+            <a:off x="10875886" y="2264999"/>
+            <a:ext cx="860597" cy="202375"/>
+          </a:xfrm>
+          <a:prstGeom prst="rect">
+            <a:avLst/>
+          </a:prstGeom>
+          <a:noFill/>
+          <a:ln>
+            <a:solidFill>
+              <a:schemeClr val="tx1"/>
+            </a:solidFill>
+          </a:ln>
+        </p:spPr>
+        <p:style>
+          <a:lnRef idx="2">
+            <a:schemeClr val="accent1">
+              <a:shade val="50000"/>
+            </a:schemeClr>
+          </a:lnRef>
+          <a:fillRef idx="1">
+            <a:schemeClr val="accent1"/>
+          </a:fillRef>
+          <a:effectRef idx="0">
+            <a:schemeClr val="accent1"/>
+          </a:effectRef>
+          <a:fontRef idx="minor">
+            <a:schemeClr val="lt1"/>
+          </a:fontRef>
+        </p:style>
+        <p:txBody>
+          <a:bodyPr rtlCol="0" anchor="ctr"/>
+          <a:lstStyle/>
+          <a:p>
+            <a:pPr algn="ctr"/>
+            <a:r>
+              <a:rPr lang="de-CH" sz="1200" dirty="0">
+                <a:solidFill>
+                  <a:schemeClr val="tx1"/>
+                </a:solidFill>
+                <a:latin typeface="Arial" panose="020B0604020202020204" pitchFamily="34" charset="0"/>
+                <a:cs typeface="Arial" panose="020B0604020202020204" pitchFamily="34" charset="0"/>
+              </a:rPr>
+              <a:t>Download</a:t>
+            </a:r>
+          </a:p>
+        </p:txBody>
+      </p:sp>
+      <p:sp>
+        <p:nvSpPr>
+          <p:cNvPr id="37" name="Textfeld 36">
+            <a:extLst>
+              <a:ext uri="{FF2B5EF4-FFF2-40B4-BE49-F238E27FC236}">
+                <a16:creationId xmlns:a16="http://schemas.microsoft.com/office/drawing/2014/main" id="{2ED15C12-AFDD-8F28-0B61-4636D8A38D8B}"/>
+              </a:ext>
+            </a:extLst>
+          </p:cNvPr>
+          <p:cNvSpPr txBox="1"/>
+          <p:nvPr/>
+        </p:nvSpPr>
+        <p:spPr>
+          <a:xfrm>
+            <a:off x="4482334" y="1174367"/>
+            <a:ext cx="1362165" cy="430887"/>
+          </a:xfrm>
+          <a:prstGeom prst="rect">
+            <a:avLst/>
+          </a:prstGeom>
+          <a:noFill/>
+        </p:spPr>
+        <p:txBody>
+          <a:bodyPr wrap="square" rtlCol="0">
+            <a:spAutoFit/>
+          </a:bodyPr>
+          <a:lstStyle/>
+          <a:p>
+            <a:r>
+              <a:rPr lang="de-CH" sz="1200" dirty="0">
+                <a:latin typeface="Arial" panose="020B0604020202020204" pitchFamily="34" charset="0"/>
+                <a:cs typeface="Arial" panose="020B0604020202020204" pitchFamily="34" charset="0"/>
+              </a:rPr>
+              <a:t>Nummer</a:t>
+            </a:r>
+          </a:p>
+          <a:p>
+            <a:endParaRPr lang="de-CH" sz="200" dirty="0">
+              <a:latin typeface="Arial" panose="020B0604020202020204" pitchFamily="34" charset="0"/>
+              <a:cs typeface="Arial" panose="020B0604020202020204" pitchFamily="34" charset="0"/>
+            </a:endParaRPr>
+          </a:p>
+          <a:p>
+            <a:r>
+              <a:rPr lang="de-CH" sz="800" dirty="0">
+                <a:latin typeface="Arial" panose="020B0604020202020204" pitchFamily="34" charset="0"/>
+                <a:cs typeface="Arial" panose="020B0604020202020204" pitchFamily="34" charset="0"/>
+              </a:rPr>
+              <a:t>&lt;</a:t>
+            </a:r>
+            <a:r>
+              <a:rPr lang="de-CH" sz="800" dirty="0" err="1">
+                <a:latin typeface="Arial" panose="020B0604020202020204" pitchFamily="34" charset="0"/>
+                <a:cs typeface="Arial" panose="020B0604020202020204" pitchFamily="34" charset="0"/>
+              </a:rPr>
+              <a:t>JazzGuestRegNumber</a:t>
+            </a:r>
+            <a:r>
+              <a:rPr lang="de-CH" sz="800" dirty="0">
+                <a:latin typeface="Arial" panose="020B0604020202020204" pitchFamily="34" charset="0"/>
+                <a:cs typeface="Arial" panose="020B0604020202020204" pitchFamily="34" charset="0"/>
+              </a:rPr>
+              <a:t>&gt;</a:t>
+            </a:r>
+          </a:p>
+        </p:txBody>
+      </p:sp>
     </p:spTree>
     <p:extLst>
       <p:ext uri="{BB962C8B-B14F-4D97-AF65-F5344CB8AC3E}">
